--- a/SpringSecurity.pptx
+++ b/SpringSecurity.pptx
@@ -5,15 +5,16 @@
     <p:sldMasterId id="2147483648" r:id="rId2"/>
   </p:sldMasterIdLst>
   <p:notesMasterIdLst>
-    <p:notesMasterId r:id="rId6"/>
+    <p:notesMasterId r:id="rId7"/>
   </p:notesMasterIdLst>
   <p:handoutMasterIdLst>
-    <p:handoutMasterId r:id="rId7"/>
+    <p:handoutMasterId r:id="rId8"/>
   </p:handoutMasterIdLst>
   <p:sldIdLst>
     <p:sldId id="256" r:id="rId3"/>
     <p:sldId id="257" r:id="rId4"/>
     <p:sldId id="258" r:id="rId5"/>
+    <p:sldId id="259" r:id="rId6"/>
   </p:sldIdLst>
   <p:sldSz cx="9144000" cy="6858000" type="screen4x3"/>
   <p:notesSz cx="6858000" cy="9144000"/>
@@ -209,7 +210,7 @@
             <a:fld id="{A849C5AD-4428-4E9C-9C84-11B72C9365FB}" type="datetimeFigureOut">
               <a:rPr lang="en-US" smtClean="0"/>
               <a:pPr/>
-              <a:t>12/14/2020</a:t>
+              <a:t>12/20/2020</a:t>
             </a:fld>
             <a:endParaRPr lang="en-US"/>
           </a:p>
@@ -363,7 +364,7 @@
             <a:fld id="{D7547E60-4BE7-4E4E-9AAA-5EE35AEC995C}" type="datetimeFigureOut">
               <a:rPr lang="en-US" smtClean="0"/>
               <a:pPr/>
-              <a:t>12/14/2020</a:t>
+              <a:t>12/20/2020</a:t>
             </a:fld>
             <a:endParaRPr lang="en-US"/>
           </a:p>
@@ -956,7 +957,7 @@
             <a:fld id="{5C14FD69-4A85-4715-A222-ABB225B63BC6}" type="datetimeFigureOut">
               <a:rPr lang="en-US" smtClean="0"/>
               <a:pPr/>
-              <a:t>12/14/2020</a:t>
+              <a:t>12/20/2020</a:t>
             </a:fld>
             <a:endParaRPr lang="en-US"/>
           </a:p>
@@ -1135,7 +1136,7 @@
             <a:fld id="{5C14FD69-4A85-4715-A222-ABB225B63BC6}" type="datetimeFigureOut">
               <a:rPr lang="en-US" smtClean="0"/>
               <a:pPr/>
-              <a:t>12/14/2020</a:t>
+              <a:t>12/20/2020</a:t>
             </a:fld>
             <a:endParaRPr lang="en-US"/>
           </a:p>
@@ -1262,7 +1263,7 @@
             <a:fld id="{5C14FD69-4A85-4715-A222-ABB225B63BC6}" type="datetimeFigureOut">
               <a:rPr lang="en-US" smtClean="0"/>
               <a:pPr/>
-              <a:t>12/14/2020</a:t>
+              <a:t>12/20/2020</a:t>
             </a:fld>
             <a:endParaRPr lang="en-US"/>
           </a:p>
@@ -1355,7 +1356,7 @@
             <a:fld id="{5C14FD69-4A85-4715-A222-ABB225B63BC6}" type="datetimeFigureOut">
               <a:rPr lang="en-US" smtClean="0"/>
               <a:pPr/>
-              <a:t>12/14/2020</a:t>
+              <a:t>12/20/2020</a:t>
             </a:fld>
             <a:endParaRPr lang="en-US"/>
           </a:p>
@@ -1596,7 +1597,7 @@
             <a:fld id="{5C14FD69-4A85-4715-A222-ABB225B63BC6}" type="datetimeFigureOut">
               <a:rPr lang="en-US" smtClean="0"/>
               <a:pPr/>
-              <a:t>12/14/2020</a:t>
+              <a:t>12/20/2020</a:t>
             </a:fld>
             <a:endParaRPr lang="en-US"/>
           </a:p>
@@ -1775,7 +1776,7 @@
             <a:fld id="{5C14FD69-4A85-4715-A222-ABB225B63BC6}" type="datetimeFigureOut">
               <a:rPr lang="en-US" smtClean="0"/>
               <a:pPr/>
-              <a:t>12/14/2020</a:t>
+              <a:t>12/20/2020</a:t>
             </a:fld>
             <a:endParaRPr lang="en-US"/>
           </a:p>
@@ -2016,7 +2017,7 @@
             <a:fld id="{5C14FD69-4A85-4715-A222-ABB225B63BC6}" type="datetimeFigureOut">
               <a:rPr lang="en-US" smtClean="0"/>
               <a:pPr/>
-              <a:t>12/14/2020</a:t>
+              <a:t>12/20/2020</a:t>
             </a:fld>
             <a:endParaRPr lang="en-US"/>
           </a:p>
@@ -2290,7 +2291,7 @@
             <a:fld id="{5C14FD69-4A85-4715-A222-ABB225B63BC6}" type="datetimeFigureOut">
               <a:rPr lang="en-US" smtClean="0"/>
               <a:pPr/>
-              <a:t>12/14/2020</a:t>
+              <a:t>12/20/2020</a:t>
             </a:fld>
             <a:endParaRPr lang="en-US" sz="1000" dirty="0"/>
           </a:p>
@@ -3119,30 +3120,33 @@
               <a:buAutoNum type="arabicPeriod"/>
             </a:pPr>
             <a:r>
-              <a:rPr lang="ru-RU" sz="1400" dirty="0" smtClean="0"/>
-              <a:t>Переименовать </a:t>
-            </a:r>
-            <a:r>
-              <a:rPr lang="en-US" sz="1400" i="1" dirty="0" err="1" smtClean="0"/>
-              <a:t>BasicSecurityConfig</a:t>
-            </a:r>
-            <a:r>
-              <a:rPr lang="en-US" sz="1400" dirty="0" smtClean="0"/>
-              <a:t> </a:t>
-            </a:r>
-            <a:r>
-              <a:rPr lang="ru-RU" sz="1400" dirty="0" smtClean="0"/>
-              <a:t>в </a:t>
-            </a:r>
-            <a:r>
-              <a:rPr lang="en-US" sz="1400" i="1" dirty="0" err="1" smtClean="0"/>
-              <a:t>CustomSecurityConfig</a:t>
-            </a:r>
-            <a:r>
-              <a:rPr lang="ru-RU" sz="1400" dirty="0" smtClean="0"/>
-              <a:t>.</a:t>
-            </a:r>
-            <a:endParaRPr lang="ru-RU" sz="1400" dirty="0"/>
+              <a:rPr lang="ru-RU" sz="1400" dirty="0"/>
+              <a:t>Объявить </a:t>
+            </a:r>
+            <a:r>
+              <a:rPr lang="en-US" sz="1400" i="1" dirty="0"/>
+              <a:t>@Entity User</a:t>
+            </a:r>
+            <a:r>
+              <a:rPr lang="ru-RU" sz="1400" dirty="0"/>
+              <a:t>, имплементирующего </a:t>
+            </a:r>
+            <a:r>
+              <a:rPr lang="en-US" sz="1400" i="1" dirty="0" err="1"/>
+              <a:t>UserDetails</a:t>
+            </a:r>
+            <a:r>
+              <a:rPr lang="en-US" sz="1400" i="1" dirty="0"/>
+              <a:t> (</a:t>
+            </a:r>
+            <a:r>
+              <a:rPr lang="ru-RU" sz="1400" i="1" dirty="0"/>
+              <a:t>По аналогии с </a:t>
+            </a:r>
+            <a:r>
+              <a:rPr lang="en-US" sz="1400" i="1" dirty="0"/>
+              <a:t>Contract)</a:t>
+            </a:r>
           </a:p>
           <a:p>
             <a:pPr marL="457200" indent="-457200">
@@ -3150,22 +3154,38 @@
               <a:buAutoNum type="arabicPeriod"/>
             </a:pPr>
             <a:r>
-              <a:rPr lang="ru-RU" sz="1400" dirty="0" smtClean="0"/>
-              <a:t>Перенастроить </a:t>
+              <a:rPr lang="ru-RU" sz="1400" dirty="0"/>
+              <a:t>Объявить </a:t>
+            </a:r>
+            <a:r>
+              <a:rPr lang="en-US" sz="1400" i="1" dirty="0"/>
+              <a:t>@Repository </a:t>
+            </a:r>
+            <a:r>
+              <a:rPr lang="en-US" sz="1400" i="1" dirty="0" err="1"/>
+              <a:t>UserRepository</a:t>
+            </a:r>
+            <a:r>
+              <a:rPr lang="ru-RU" sz="1400" dirty="0"/>
+              <a:t> </a:t>
+            </a:r>
+            <a:r>
+              <a:rPr lang="en-US" sz="1400" i="1" dirty="0" smtClean="0"/>
+              <a:t>(</a:t>
+            </a:r>
+            <a:r>
+              <a:rPr lang="ru-RU" sz="1400" i="1" dirty="0"/>
+              <a:t>По аналогии с </a:t>
             </a:r>
             <a:r>
               <a:rPr lang="en-US" sz="1400" i="1" dirty="0" err="1" smtClean="0"/>
-              <a:t>AuthenticationManager</a:t>
-            </a:r>
-            <a:r>
-              <a:rPr lang="ru-RU" sz="1400" dirty="0" smtClean="0"/>
-              <a:t> на использование </a:t>
-            </a:r>
-            <a:r>
-              <a:rPr lang="en-US" sz="1400" i="1" dirty="0" err="1" smtClean="0"/>
-              <a:t>UserDetailsService</a:t>
-            </a:r>
-            <a:endParaRPr lang="en-US" sz="1400" i="1" dirty="0" smtClean="0"/>
+              <a:t>ContractRepository</a:t>
+            </a:r>
+            <a:r>
+              <a:rPr lang="en-US" sz="1400" i="1" dirty="0" smtClean="0"/>
+              <a:t>)</a:t>
+            </a:r>
+            <a:endParaRPr lang="ru-RU" sz="1400" i="1" dirty="0"/>
           </a:p>
           <a:p>
             <a:pPr marL="457200" indent="-457200">
@@ -3173,22 +3193,54 @@
               <a:buAutoNum type="arabicPeriod"/>
             </a:pPr>
             <a:r>
+              <a:rPr lang="ru-RU" sz="1400" dirty="0"/>
+              <a:t>Объявить </a:t>
+            </a:r>
+            <a:r>
+              <a:rPr lang="en-US" sz="1400" i="1" dirty="0"/>
+              <a:t>@Service</a:t>
+            </a:r>
+            <a:r>
+              <a:rPr lang="ru-RU" sz="1400" dirty="0"/>
+              <a:t> </a:t>
+            </a:r>
+            <a:r>
+              <a:rPr lang="en-US" sz="1400" i="1" dirty="0" err="1"/>
+              <a:t>CustomUserDetailsService</a:t>
+            </a:r>
+            <a:r>
+              <a:rPr lang="en-US" sz="1400" dirty="0"/>
+              <a:t> </a:t>
+            </a:r>
+            <a:r>
+              <a:rPr lang="ru-RU" sz="1400" dirty="0"/>
+              <a:t>типа </a:t>
+            </a:r>
+            <a:r>
+              <a:rPr lang="en-US" sz="1400" i="1" dirty="0" err="1"/>
+              <a:t>UserDetailsService</a:t>
+            </a:r>
+            <a:r>
+              <a:rPr lang="en-US" sz="1400" dirty="0"/>
+              <a:t> </a:t>
+            </a:r>
+            <a:r>
+              <a:rPr lang="ru-RU" sz="1400" dirty="0"/>
+              <a:t>и имплементировать его </a:t>
+            </a:r>
+            <a:r>
               <a:rPr lang="ru-RU" sz="1400" dirty="0" smtClean="0"/>
-              <a:t>Вынести </a:t>
-            </a:r>
-            <a:r>
-              <a:rPr lang="en-US" sz="1400" i="1" dirty="0" err="1" smtClean="0"/>
-              <a:t>PasswordEncoder</a:t>
+              <a:t>метод, используя </a:t>
+            </a:r>
+            <a:r>
+              <a:rPr lang="en-US" sz="1400" dirty="0" err="1" smtClean="0"/>
+              <a:t>UserRepositiry</a:t>
             </a:r>
             <a:r>
               <a:rPr lang="en-US" sz="1400" dirty="0" smtClean="0"/>
-              <a:t> </a:t>
-            </a:r>
-            <a:r>
-              <a:rPr lang="ru-RU" sz="1400" dirty="0" smtClean="0"/>
-              <a:t>в бин</a:t>
-            </a:r>
-            <a:endParaRPr lang="en-US" sz="1400" dirty="0" smtClean="0"/>
+              <a:t>.</a:t>
+            </a:r>
+            <a:endParaRPr lang="ru-RU" sz="1400" dirty="0" smtClean="0"/>
           </a:p>
           <a:p>
             <a:pPr marL="457200" indent="-457200">
@@ -3197,23 +3249,11 @@
             </a:pPr>
             <a:r>
               <a:rPr lang="ru-RU" sz="1400" dirty="0" smtClean="0"/>
-              <a:t>Объявить </a:t>
-            </a:r>
-            <a:r>
-              <a:rPr lang="en-US" sz="1400" i="1" dirty="0"/>
-              <a:t>@</a:t>
-            </a:r>
-            <a:r>
-              <a:rPr lang="en-US" sz="1400" i="1" dirty="0" smtClean="0"/>
-              <a:t>Service</a:t>
-            </a:r>
-            <a:r>
-              <a:rPr lang="ru-RU" sz="1400" dirty="0" smtClean="0"/>
-              <a:t> типа </a:t>
+              <a:t>Переименовать </a:t>
             </a:r>
             <a:r>
               <a:rPr lang="en-US" sz="1400" i="1" dirty="0" err="1" smtClean="0"/>
-              <a:t>UserDetailsService</a:t>
+              <a:t>BasicSecurityConfig</a:t>
             </a:r>
             <a:r>
               <a:rPr lang="en-US" sz="1400" dirty="0" smtClean="0"/>
@@ -3221,8 +3261,17 @@
             </a:r>
             <a:r>
               <a:rPr lang="ru-RU" sz="1400" dirty="0" smtClean="0"/>
-              <a:t>и имплементировать его метод.</a:t>
-            </a:r>
+              <a:t>в </a:t>
+            </a:r>
+            <a:r>
+              <a:rPr lang="en-US" sz="1400" i="1" dirty="0" err="1" smtClean="0"/>
+              <a:t>CustomSecurityConfig</a:t>
+            </a:r>
+            <a:r>
+              <a:rPr lang="ru-RU" sz="1400" dirty="0" smtClean="0"/>
+              <a:t>.</a:t>
+            </a:r>
+            <a:endParaRPr lang="ru-RU" sz="1400" dirty="0"/>
           </a:p>
           <a:p>
             <a:pPr marL="457200" indent="-457200">
@@ -3231,21 +3280,21 @@
             </a:pPr>
             <a:r>
               <a:rPr lang="ru-RU" sz="1400" dirty="0" smtClean="0"/>
-              <a:t>Объявить </a:t>
-            </a:r>
-            <a:r>
-              <a:rPr lang="en-US" sz="1400" i="1" dirty="0" smtClean="0"/>
-              <a:t>@Entity User</a:t>
+              <a:t>Перенастроить </a:t>
+            </a:r>
+            <a:r>
+              <a:rPr lang="en-US" sz="1400" i="1" dirty="0" err="1" smtClean="0"/>
+              <a:t>AuthenticationManager</a:t>
             </a:r>
             <a:r>
               <a:rPr lang="ru-RU" sz="1400" dirty="0" smtClean="0"/>
-              <a:t>, имплементирующего </a:t>
+              <a:t> на использование </a:t>
             </a:r>
             <a:r>
               <a:rPr lang="en-US" sz="1400" i="1" dirty="0" err="1" smtClean="0"/>
-              <a:t>UserDetails</a:t>
-            </a:r>
-            <a:endParaRPr lang="ru-RU" sz="1400" i="1" dirty="0" smtClean="0"/>
+              <a:t>UserDetailsService</a:t>
+            </a:r>
+            <a:endParaRPr lang="en-US" sz="1400" i="1" dirty="0" smtClean="0"/>
           </a:p>
           <a:p>
             <a:pPr marL="457200" indent="-457200">
@@ -3254,6 +3303,29 @@
             </a:pPr>
             <a:r>
               <a:rPr lang="ru-RU" sz="1400" dirty="0" smtClean="0"/>
+              <a:t>Вынести </a:t>
+            </a:r>
+            <a:r>
+              <a:rPr lang="en-US" sz="1400" i="1" dirty="0" err="1" smtClean="0"/>
+              <a:t>PasswordEncoder</a:t>
+            </a:r>
+            <a:r>
+              <a:rPr lang="en-US" sz="1400" dirty="0" smtClean="0"/>
+              <a:t> </a:t>
+            </a:r>
+            <a:r>
+              <a:rPr lang="ru-RU" sz="1400" dirty="0" smtClean="0"/>
+              <a:t>в бин</a:t>
+            </a:r>
+            <a:endParaRPr lang="en-US" sz="1400" dirty="0" smtClean="0"/>
+          </a:p>
+          <a:p>
+            <a:pPr marL="457200" indent="-457200">
+              <a:buFont typeface="+mj-lt"/>
+              <a:buAutoNum type="arabicPeriod"/>
+            </a:pPr>
+            <a:r>
+              <a:rPr lang="ru-RU" sz="1400" dirty="0" smtClean="0"/>
               <a:t>В </a:t>
             </a:r>
             <a:r>
@@ -3403,12 +3475,28 @@
               <a:t>Добавить </a:t>
             </a:r>
             <a:r>
+              <a:rPr lang="en-US" sz="1400" i="1" dirty="0" smtClean="0"/>
+              <a:t>@</a:t>
+            </a:r>
+            <a:r>
+              <a:rPr lang="en-US" sz="1400" i="1" dirty="0" err="1" smtClean="0"/>
+              <a:t>RestController</a:t>
+            </a:r>
+            <a:r>
+              <a:rPr lang="en-US" sz="1400" dirty="0" smtClean="0"/>
+              <a:t> </a:t>
+            </a:r>
+            <a:r>
               <a:rPr lang="en-US" sz="1400" i="1" dirty="0" err="1" smtClean="0"/>
               <a:t>UserController</a:t>
             </a:r>
             <a:r>
               <a:rPr lang="ru-RU" sz="1400" dirty="0" smtClean="0"/>
-              <a:t> с одним методом </a:t>
+              <a:t> </a:t>
+            </a:r>
+            <a:r>
+              <a:rPr lang="ru-RU" sz="1400" dirty="0" smtClean="0"/>
+              <a:t>с одним методом </a:t>
             </a:r>
             <a:r>
               <a:rPr lang="en-US" sz="1400" i="1" dirty="0" smtClean="0"/>
@@ -3501,6 +3589,949 @@
     <p:extLst>
       <p:ext uri="{BB962C8B-B14F-4D97-AF65-F5344CB8AC3E}">
         <p14:creationId xmlns:p14="http://schemas.microsoft.com/office/powerpoint/2010/main" val="476602799"/>
+      </p:ext>
+    </p:extLst>
+  </p:cSld>
+  <p:clrMapOvr>
+    <a:masterClrMapping/>
+  </p:clrMapOvr>
+</p:sld>
+</file>
+
+<file path=ppt/slides/slide4.xml><?xml version="1.0" encoding="utf-8"?>
+<p:sld xmlns:a="http://schemas.openxmlformats.org/drawingml/2006/main" xmlns:r="http://schemas.openxmlformats.org/officeDocument/2006/relationships" xmlns:p="http://schemas.openxmlformats.org/presentationml/2006/main">
+  <p:cSld>
+    <p:spTree>
+      <p:nvGrpSpPr>
+        <p:cNvPr id="1" name=""/>
+        <p:cNvGrpSpPr/>
+        <p:nvPr/>
+      </p:nvGrpSpPr>
+      <p:grpSpPr>
+        <a:xfrm>
+          <a:off x="0" y="0"/>
+          <a:ext cx="0" cy="0"/>
+          <a:chOff x="0" y="0"/>
+          <a:chExt cx="0" cy="0"/>
+        </a:xfrm>
+      </p:grpSpPr>
+      <p:sp>
+        <p:nvSpPr>
+          <p:cNvPr id="2" name="Текст 1"/>
+          <p:cNvSpPr>
+            <a:spLocks noGrp="1"/>
+          </p:cNvSpPr>
+          <p:nvPr>
+            <p:ph type="body" idx="1"/>
+          </p:nvPr>
+        </p:nvSpPr>
+        <p:spPr>
+          <a:xfrm>
+            <a:off x="179512" y="1412776"/>
+            <a:ext cx="8784976" cy="5256584"/>
+          </a:xfrm>
+        </p:spPr>
+        <p:txBody>
+          <a:bodyPr>
+            <a:noAutofit/>
+          </a:bodyPr>
+          <a:lstStyle/>
+          <a:p>
+            <a:pPr marL="457200" indent="-457200">
+              <a:buFont typeface="+mj-lt"/>
+              <a:buAutoNum type="arabicPeriod"/>
+            </a:pPr>
+            <a:r>
+              <a:rPr lang="ru-RU" sz="1200" dirty="0" smtClean="0"/>
+              <a:t>Переименовать </a:t>
+            </a:r>
+            <a:r>
+              <a:rPr lang="en-US" sz="1200" i="1" dirty="0" err="1"/>
+              <a:t>CustomSecurityConfig</a:t>
+            </a:r>
+            <a:r>
+              <a:rPr lang="en-US" sz="1200" dirty="0" smtClean="0"/>
+              <a:t> </a:t>
+            </a:r>
+            <a:r>
+              <a:rPr lang="ru-RU" sz="1200" dirty="0" smtClean="0"/>
+              <a:t>в</a:t>
+            </a:r>
+            <a:r>
+              <a:rPr lang="en-US" sz="1200" dirty="0" smtClean="0"/>
+              <a:t> </a:t>
+            </a:r>
+            <a:r>
+              <a:rPr lang="en-US" sz="1200" i="1" dirty="0" err="1" smtClean="0"/>
+              <a:t>Jwt</a:t>
+            </a:r>
+            <a:r>
+              <a:rPr lang="en-US" sz="1200" i="1" dirty="0" err="1" smtClean="0"/>
+              <a:t>SecurityConfig</a:t>
+            </a:r>
+            <a:r>
+              <a:rPr lang="ru-RU" sz="1200" dirty="0" smtClean="0"/>
+              <a:t>.</a:t>
+            </a:r>
+          </a:p>
+          <a:p>
+            <a:pPr marL="457200" indent="-457200">
+              <a:buFont typeface="+mj-lt"/>
+              <a:buAutoNum type="arabicPeriod"/>
+            </a:pPr>
+            <a:r>
+              <a:rPr lang="ru-RU" sz="1200" dirty="0" smtClean="0"/>
+              <a:t>Создать </a:t>
+            </a:r>
+            <a:r>
+              <a:rPr lang="en-US" sz="1200" i="1" dirty="0" err="1"/>
+              <a:t>JwtAuthenticationFilter</a:t>
+            </a:r>
+            <a:r>
+              <a:rPr lang="en-US" sz="1200" dirty="0"/>
+              <a:t> </a:t>
+            </a:r>
+            <a:r>
+              <a:rPr lang="ru-RU" sz="1200" dirty="0" smtClean="0"/>
+              <a:t>расширяющий</a:t>
+            </a:r>
+            <a:r>
+              <a:rPr lang="en-US" sz="1200" dirty="0" smtClean="0"/>
+              <a:t> </a:t>
+            </a:r>
+            <a:r>
+              <a:rPr lang="en-US" sz="1200" i="1" dirty="0" err="1" smtClean="0"/>
+              <a:t>UsernamePasswordAuthenticationFilter</a:t>
+            </a:r>
+            <a:endParaRPr lang="ru-RU" sz="1200" i="1" dirty="0" smtClean="0"/>
+          </a:p>
+          <a:p>
+            <a:pPr marL="857250" lvl="1" indent="-457200"/>
+            <a:r>
+              <a:rPr lang="ru-RU" sz="1200" dirty="0" smtClean="0"/>
+              <a:t>Добавить в конструктор функцию создания </a:t>
+            </a:r>
+            <a:r>
+              <a:rPr lang="ru-RU" sz="1200" dirty="0" err="1" smtClean="0"/>
+              <a:t>токена</a:t>
+            </a:r>
+            <a:r>
+              <a:rPr lang="ru-RU" sz="1200" dirty="0" smtClean="0"/>
+              <a:t> </a:t>
+            </a:r>
+            <a:r>
+              <a:rPr lang="en-US" sz="1200" i="1" dirty="0" smtClean="0"/>
+              <a:t>Function&lt;</a:t>
+            </a:r>
+            <a:r>
+              <a:rPr lang="en-US" sz="1200" i="1" dirty="0" err="1" smtClean="0"/>
+              <a:t>UserDetails</a:t>
+            </a:r>
+            <a:r>
+              <a:rPr lang="en-US" sz="1200" i="1" dirty="0"/>
+              <a:t>, String&gt; </a:t>
+            </a:r>
+            <a:r>
+              <a:rPr lang="en-US" sz="1200" i="1" dirty="0" err="1"/>
+              <a:t>createJwtTokenFunction</a:t>
+            </a:r>
+            <a:r>
+              <a:rPr lang="en-US" sz="1200" i="1" dirty="0" smtClean="0"/>
+              <a:t> </a:t>
+            </a:r>
+          </a:p>
+          <a:p>
+            <a:pPr marL="857250" lvl="1" indent="-457200"/>
+            <a:r>
+              <a:rPr lang="ru-RU" sz="1200" dirty="0"/>
+              <a:t>Переопределить метод </a:t>
+            </a:r>
+            <a:r>
+              <a:rPr lang="en-US" sz="1200" i="1" dirty="0" err="1"/>
+              <a:t>attemptAuthentication</a:t>
+            </a:r>
+            <a:r>
+              <a:rPr lang="en-US" sz="1200" i="1" dirty="0"/>
+              <a:t> </a:t>
+            </a:r>
+            <a:endParaRPr lang="ru-RU" sz="1200" i="1" dirty="0"/>
+          </a:p>
+          <a:p>
+            <a:pPr marL="1257300" lvl="2" indent="-457200"/>
+            <a:r>
+              <a:rPr lang="ru-RU" sz="1200" dirty="0" smtClean="0"/>
+              <a:t>Вернуть из метода результат работы функции</a:t>
+            </a:r>
+            <a:br>
+              <a:rPr lang="ru-RU" sz="1200" dirty="0" smtClean="0"/>
+            </a:br>
+            <a:r>
+              <a:rPr lang="en-US" sz="1200" i="1" dirty="0" err="1" smtClean="0"/>
+              <a:t>authenticationManager.authenticate</a:t>
+            </a:r>
+            <a:r>
+              <a:rPr lang="en-US" sz="1200" i="1" dirty="0" smtClean="0"/>
+              <a:t>(new </a:t>
+            </a:r>
+            <a:r>
+              <a:rPr lang="en-US" sz="1200" i="1" dirty="0" err="1" smtClean="0"/>
+              <a:t>UsernamePasswordAuthenticationToken</a:t>
+            </a:r>
+            <a:endParaRPr lang="ru-RU" sz="1200" i="1" dirty="0" smtClean="0"/>
+          </a:p>
+          <a:p>
+            <a:pPr marL="857250" lvl="1" indent="-457200"/>
+            <a:r>
+              <a:rPr lang="ru-RU" sz="1200" dirty="0" smtClean="0"/>
+              <a:t>Переопределить метод </a:t>
+            </a:r>
+            <a:r>
+              <a:rPr lang="en-US" sz="1200" i="1" dirty="0" err="1" smtClean="0"/>
+              <a:t>successfulAuthentication</a:t>
+            </a:r>
+            <a:r>
+              <a:rPr lang="ru-RU" sz="1200" dirty="0" smtClean="0"/>
+              <a:t> </a:t>
+            </a:r>
+          </a:p>
+          <a:p>
+            <a:pPr marL="1257300" lvl="2" indent="-457200"/>
+            <a:r>
+              <a:rPr lang="ru-RU" sz="1200" dirty="0" smtClean="0"/>
+              <a:t>Добавить в </a:t>
+            </a:r>
+            <a:r>
+              <a:rPr lang="en-US" sz="1200" dirty="0" smtClean="0"/>
+              <a:t>Header </a:t>
+            </a:r>
+            <a:r>
+              <a:rPr lang="ru-RU" sz="1200" dirty="0" smtClean="0"/>
+              <a:t>ответа </a:t>
+            </a:r>
+            <a:r>
+              <a:rPr lang="en-US" sz="1200" i="1" dirty="0"/>
+              <a:t>"</a:t>
+            </a:r>
+            <a:r>
+              <a:rPr lang="en-US" sz="1200" i="1" dirty="0" smtClean="0"/>
+              <a:t>Authorization"</a:t>
+            </a:r>
+            <a:r>
+              <a:rPr lang="en-US" sz="1200" dirty="0" smtClean="0"/>
+              <a:t>  </a:t>
+            </a:r>
+            <a:r>
+              <a:rPr lang="ru-RU" sz="1200" dirty="0" err="1" smtClean="0"/>
+              <a:t>токен</a:t>
+            </a:r>
+            <a:r>
+              <a:rPr lang="ru-RU" sz="1200" dirty="0" smtClean="0"/>
+              <a:t>, полученный из </a:t>
+            </a:r>
+            <a:r>
+              <a:rPr lang="en-US" sz="1200" i="1" dirty="0" err="1"/>
+              <a:t>auth.getPrincipal</a:t>
+            </a:r>
+            <a:r>
+              <a:rPr lang="en-US" sz="1200" i="1" dirty="0" smtClean="0"/>
+              <a:t>()</a:t>
+            </a:r>
+            <a:endParaRPr lang="ru-RU" sz="1200" i="1" dirty="0" smtClean="0"/>
+          </a:p>
+          <a:p>
+            <a:pPr marL="457200" indent="-457200">
+              <a:buFont typeface="+mj-lt"/>
+              <a:buAutoNum type="arabicPeriod"/>
+            </a:pPr>
+            <a:r>
+              <a:rPr lang="ru-RU" sz="1200" dirty="0" smtClean="0"/>
+              <a:t>Создать </a:t>
+            </a:r>
+            <a:r>
+              <a:rPr lang="en-US" sz="1200" i="1" dirty="0" err="1"/>
+              <a:t>JwtAuthorizationFilter</a:t>
+            </a:r>
+            <a:r>
+              <a:rPr lang="en-US" sz="1200" dirty="0"/>
+              <a:t> </a:t>
+            </a:r>
+            <a:r>
+              <a:rPr lang="ru-RU" sz="1200" dirty="0" smtClean="0"/>
+              <a:t>расширяющий</a:t>
+            </a:r>
+            <a:r>
+              <a:rPr lang="en-US" sz="1200" dirty="0" smtClean="0"/>
+              <a:t> </a:t>
+            </a:r>
+            <a:r>
+              <a:rPr lang="en-US" sz="1200" i="1" dirty="0" err="1" smtClean="0"/>
+              <a:t>BasicAuthenticationFilter</a:t>
+            </a:r>
+            <a:endParaRPr lang="ru-RU" sz="1200" i="1" dirty="0" smtClean="0"/>
+          </a:p>
+          <a:p>
+            <a:pPr marL="857250" lvl="1" indent="-457200"/>
+            <a:r>
+              <a:rPr lang="ru-RU" sz="1200" dirty="0" smtClean="0"/>
+              <a:t>Добавить в конструктор функцию разбора </a:t>
+            </a:r>
+            <a:r>
+              <a:rPr lang="ru-RU" sz="1200" dirty="0" err="1" smtClean="0"/>
+              <a:t>токена</a:t>
+            </a:r>
+            <a:r>
+              <a:rPr lang="ru-RU" sz="1200" dirty="0" smtClean="0"/>
+              <a:t> </a:t>
+            </a:r>
+            <a:r>
+              <a:rPr lang="en-US" sz="1200" i="1" dirty="0" smtClean="0"/>
+              <a:t>Function&lt;String</a:t>
+            </a:r>
+            <a:r>
+              <a:rPr lang="en-US" sz="1200" i="1" dirty="0"/>
+              <a:t>, </a:t>
+            </a:r>
+            <a:r>
+              <a:rPr lang="en-US" sz="1200" i="1" dirty="0" err="1"/>
+              <a:t>UserDetails</a:t>
+            </a:r>
+            <a:r>
+              <a:rPr lang="en-US" sz="1200" i="1" dirty="0"/>
+              <a:t>&gt; </a:t>
+            </a:r>
+            <a:r>
+              <a:rPr lang="en-US" sz="1200" i="1" dirty="0" err="1"/>
+              <a:t>parseJwtTokenFunction</a:t>
+            </a:r>
+            <a:endParaRPr lang="ru-RU" sz="1200" i="1" dirty="0" smtClean="0"/>
+          </a:p>
+          <a:p>
+            <a:pPr marL="857250" lvl="1" indent="-457200"/>
+            <a:r>
+              <a:rPr lang="ru-RU" sz="1200" dirty="0"/>
+              <a:t>Переопределить метод </a:t>
+            </a:r>
+            <a:r>
+              <a:rPr lang="en-US" sz="1200" i="1" dirty="0" err="1"/>
+              <a:t>doFilterInternal</a:t>
+            </a:r>
+            <a:r>
+              <a:rPr lang="en-US" sz="1200" i="1" dirty="0"/>
+              <a:t> </a:t>
+            </a:r>
+            <a:endParaRPr lang="ru-RU" sz="1200" i="1" dirty="0"/>
+          </a:p>
+          <a:p>
+            <a:pPr marL="1257300" lvl="2" indent="-457200"/>
+            <a:r>
+              <a:rPr lang="ru-RU" sz="1200" dirty="0" smtClean="0"/>
+              <a:t>Получить </a:t>
+            </a:r>
+            <a:r>
+              <a:rPr lang="ru-RU" sz="1200" dirty="0" err="1" smtClean="0"/>
+              <a:t>токен</a:t>
+            </a:r>
+            <a:r>
+              <a:rPr lang="ru-RU" sz="1200" dirty="0" smtClean="0"/>
+              <a:t> из </a:t>
+            </a:r>
+            <a:r>
+              <a:rPr lang="en-US" sz="1200" dirty="0" smtClean="0"/>
+              <a:t>Header</a:t>
+            </a:r>
+            <a:r>
+              <a:rPr lang="ru-RU" sz="1200" dirty="0" smtClean="0"/>
+              <a:t> </a:t>
+            </a:r>
+            <a:r>
+              <a:rPr lang="en-US" sz="1200" i="1" dirty="0"/>
+              <a:t>"Authorization"</a:t>
+            </a:r>
+            <a:r>
+              <a:rPr lang="en-US" sz="1200" dirty="0"/>
+              <a:t> </a:t>
+            </a:r>
+            <a:endParaRPr lang="ru-RU" sz="1200" dirty="0" smtClean="0"/>
+          </a:p>
+          <a:p>
+            <a:pPr marL="1257300" lvl="2" indent="-457200"/>
+            <a:r>
+              <a:rPr lang="ru-RU" sz="1200" dirty="0" err="1" smtClean="0"/>
+              <a:t>Распарсить</a:t>
+            </a:r>
+            <a:r>
+              <a:rPr lang="ru-RU" sz="1200" dirty="0" smtClean="0"/>
+              <a:t> его и получить объект типа </a:t>
+            </a:r>
+            <a:r>
+              <a:rPr lang="en-US" sz="1200" dirty="0" err="1" smtClean="0"/>
+              <a:t>UserDetails</a:t>
+            </a:r>
+            <a:endParaRPr lang="ru-RU" sz="1200" dirty="0" smtClean="0"/>
+          </a:p>
+          <a:p>
+            <a:pPr marL="1257300" lvl="2" indent="-457200"/>
+            <a:r>
+              <a:rPr lang="ru-RU" sz="1200" dirty="0" smtClean="0"/>
+              <a:t>Положить </a:t>
+            </a:r>
+            <a:r>
+              <a:rPr lang="ru-RU" sz="1200" dirty="0" err="1" smtClean="0"/>
+              <a:t>токен</a:t>
+            </a:r>
+            <a:r>
+              <a:rPr lang="ru-RU" sz="1200" dirty="0" smtClean="0"/>
+              <a:t> в контекст </a:t>
+            </a:r>
+            <a:r>
+              <a:rPr lang="en-US" sz="1200" dirty="0"/>
+              <a:t>Spring Security:</a:t>
+            </a:r>
+            <a:br>
+              <a:rPr lang="en-US" sz="1200" dirty="0"/>
+            </a:br>
+            <a:r>
+              <a:rPr lang="en-US" sz="1200" i="1" dirty="0" err="1"/>
+              <a:t>SecurityContextHolder.getContext</a:t>
+            </a:r>
+            <a:r>
+              <a:rPr lang="en-US" sz="1200" i="1" dirty="0"/>
+              <a:t>().</a:t>
+            </a:r>
+            <a:r>
+              <a:rPr lang="en-US" sz="1200" i="1" dirty="0" err="1"/>
+              <a:t>setAuthentication</a:t>
+            </a:r>
+            <a:r>
+              <a:rPr lang="en-US" sz="1200" i="1" dirty="0" smtClean="0"/>
+              <a:t>(</a:t>
+            </a:r>
+            <a:br>
+              <a:rPr lang="en-US" sz="1200" i="1" dirty="0" smtClean="0"/>
+            </a:br>
+            <a:r>
+              <a:rPr lang="en-US" sz="1200" i="1" dirty="0" smtClean="0"/>
+              <a:t>new </a:t>
+            </a:r>
+            <a:r>
+              <a:rPr lang="en-US" sz="1200" i="1" dirty="0" err="1"/>
+              <a:t>UsernamePasswordAuthenticationToken</a:t>
+            </a:r>
+            <a:r>
+              <a:rPr lang="en-US" sz="1200" i="1" dirty="0"/>
+              <a:t>(</a:t>
+            </a:r>
+            <a:r>
+              <a:rPr lang="en-US" sz="1200" i="1" dirty="0" err="1"/>
+              <a:t>userDetails</a:t>
+            </a:r>
+            <a:r>
+              <a:rPr lang="en-US" sz="1200" i="1" dirty="0"/>
+              <a:t>, null, </a:t>
+            </a:r>
+            <a:r>
+              <a:rPr lang="en-US" sz="1200" i="1" dirty="0" err="1"/>
+              <a:t>userDetails.getAuthorities</a:t>
+            </a:r>
+            <a:r>
+              <a:rPr lang="en-US" sz="1200" i="1" dirty="0" smtClean="0"/>
+              <a:t>()));</a:t>
+            </a:r>
+            <a:endParaRPr lang="ru-RU" sz="1200" i="1" dirty="0" smtClean="0"/>
+          </a:p>
+          <a:p>
+            <a:pPr marL="457200" indent="-457200">
+              <a:buFont typeface="+mj-lt"/>
+              <a:buAutoNum type="arabicPeriod"/>
+            </a:pPr>
+            <a:r>
+              <a:rPr lang="ru-RU" sz="1200" dirty="0" smtClean="0"/>
+              <a:t>Создать</a:t>
+            </a:r>
+            <a:r>
+              <a:rPr lang="en-US" sz="1200" i="1" dirty="0" smtClean="0"/>
+              <a:t> @Service</a:t>
+            </a:r>
+            <a:r>
+              <a:rPr lang="ru-RU" sz="1200" i="1" dirty="0" smtClean="0"/>
+              <a:t> </a:t>
+            </a:r>
+            <a:r>
+              <a:rPr lang="en-US" sz="1200" i="1" dirty="0" err="1" smtClean="0"/>
+              <a:t>JwtService</a:t>
+            </a:r>
+            <a:endParaRPr lang="en-US" sz="1200" i="1" dirty="0" smtClean="0"/>
+          </a:p>
+          <a:p>
+            <a:pPr marL="857250" lvl="1" indent="-457200"/>
+            <a:r>
+              <a:rPr lang="ru-RU" sz="1200" dirty="0"/>
+              <a:t>Добавить </a:t>
+            </a:r>
+            <a:r>
+              <a:rPr lang="ru-RU" sz="1200" dirty="0" smtClean="0"/>
+              <a:t>переменные для </a:t>
+            </a:r>
+            <a:r>
+              <a:rPr lang="ru-RU" sz="1200" dirty="0" err="1" smtClean="0"/>
+              <a:t>пропертей</a:t>
+            </a:r>
+            <a:r>
+              <a:rPr lang="ru-RU" sz="1200" dirty="0" smtClean="0"/>
+              <a:t> </a:t>
+            </a:r>
+            <a:r>
+              <a:rPr lang="en-US" sz="1200" i="1" dirty="0" err="1"/>
+              <a:t>jwt.secret</a:t>
+            </a:r>
+            <a:r>
+              <a:rPr lang="en-US" sz="1200" dirty="0"/>
+              <a:t> </a:t>
+            </a:r>
+            <a:r>
+              <a:rPr lang="ru-RU" sz="1200" dirty="0"/>
+              <a:t>и </a:t>
+            </a:r>
+            <a:r>
+              <a:rPr lang="en-US" sz="1200" i="1" dirty="0" err="1" smtClean="0"/>
+              <a:t>jwt.expiration.seconds</a:t>
+            </a:r>
+            <a:endParaRPr lang="ru-RU" sz="1200" i="1" dirty="0" smtClean="0"/>
+          </a:p>
+          <a:p>
+            <a:pPr marL="857250" lvl="1" indent="-457200"/>
+            <a:r>
+              <a:rPr lang="ru-RU" sz="1200" dirty="0" smtClean="0"/>
+              <a:t>Создать метод </a:t>
+            </a:r>
+            <a:r>
+              <a:rPr lang="en-US" sz="1200" i="1" dirty="0"/>
+              <a:t>public String </a:t>
+            </a:r>
+            <a:r>
+              <a:rPr lang="en-US" sz="1200" i="1" dirty="0" err="1"/>
+              <a:t>createJwtToken</a:t>
+            </a:r>
+            <a:r>
+              <a:rPr lang="en-US" sz="1200" i="1" dirty="0"/>
+              <a:t>(</a:t>
+            </a:r>
+            <a:r>
+              <a:rPr lang="en-US" sz="1200" i="1" dirty="0" err="1"/>
+              <a:t>UserDetails</a:t>
+            </a:r>
+            <a:r>
+              <a:rPr lang="en-US" sz="1200" i="1" dirty="0"/>
+              <a:t> </a:t>
+            </a:r>
+            <a:r>
+              <a:rPr lang="en-US" sz="1200" i="1" dirty="0" err="1"/>
+              <a:t>userDetails</a:t>
+            </a:r>
+            <a:r>
+              <a:rPr lang="en-US" sz="1200" i="1" dirty="0"/>
+              <a:t>) </a:t>
+            </a:r>
+            <a:endParaRPr lang="ru-RU" sz="1200" i="1" dirty="0" smtClean="0"/>
+          </a:p>
+          <a:p>
+            <a:pPr marL="1257300" lvl="2" indent="-457200"/>
+            <a:r>
+              <a:rPr lang="ru-RU" sz="1200" dirty="0" smtClean="0"/>
+              <a:t>Собрать </a:t>
+            </a:r>
+            <a:r>
+              <a:rPr lang="ru-RU" sz="1200" dirty="0" err="1" smtClean="0"/>
+              <a:t>токен</a:t>
+            </a:r>
+            <a:r>
+              <a:rPr lang="ru-RU" sz="1200" dirty="0"/>
+              <a:t> </a:t>
+            </a:r>
+            <a:r>
+              <a:rPr lang="ru-RU" sz="1200" dirty="0" smtClean="0"/>
+              <a:t>с префиксом </a:t>
+            </a:r>
+            <a:r>
+              <a:rPr lang="en-US" sz="1200" i="1" dirty="0"/>
+              <a:t>"Bearer "</a:t>
+            </a:r>
+            <a:r>
+              <a:rPr lang="ru-RU" sz="1200" i="1" dirty="0" smtClean="0"/>
+              <a:t>, используя </a:t>
+            </a:r>
+            <a:r>
+              <a:rPr lang="en-US" sz="1200" i="1" dirty="0" err="1"/>
+              <a:t>Jwts.builder</a:t>
+            </a:r>
+            <a:r>
+              <a:rPr lang="en-US" sz="1200" i="1" dirty="0" smtClean="0"/>
+              <a:t>()</a:t>
+            </a:r>
+            <a:endParaRPr lang="ru-RU" sz="1200" i="1" dirty="0" smtClean="0"/>
+          </a:p>
+          <a:p>
+            <a:pPr marL="1257300" lvl="2" indent="-457200"/>
+            <a:r>
+              <a:rPr lang="ru-RU" sz="1200" dirty="0" smtClean="0"/>
+              <a:t>Необходимо задать </a:t>
+            </a:r>
+            <a:r>
+              <a:rPr lang="en-US" sz="1200" i="1" dirty="0" smtClean="0"/>
+              <a:t>username</a:t>
+            </a:r>
+            <a:r>
+              <a:rPr lang="en-US" sz="1200" dirty="0" smtClean="0"/>
+              <a:t> </a:t>
+            </a:r>
+            <a:r>
+              <a:rPr lang="ru-RU" sz="1200" dirty="0" smtClean="0"/>
+              <a:t>в </a:t>
+            </a:r>
+            <a:r>
+              <a:rPr lang="en-US" sz="1200" i="1" dirty="0" smtClean="0"/>
+              <a:t>Subject</a:t>
+            </a:r>
+            <a:r>
+              <a:rPr lang="ru-RU" sz="1200" dirty="0"/>
+              <a:t>,</a:t>
+            </a:r>
+            <a:r>
+              <a:rPr lang="ru-RU" sz="1200" dirty="0" smtClean="0"/>
+              <a:t> Роль в </a:t>
+            </a:r>
+            <a:r>
+              <a:rPr lang="en-US" sz="1200" i="1" dirty="0" smtClean="0"/>
+              <a:t>Claims</a:t>
+            </a:r>
+            <a:r>
+              <a:rPr lang="ru-RU" sz="1200" dirty="0" smtClean="0"/>
+              <a:t>, и </a:t>
+            </a:r>
+            <a:r>
+              <a:rPr lang="en-US" sz="1200" i="1" dirty="0" smtClean="0"/>
+              <a:t>Expiration</a:t>
+            </a:r>
+            <a:r>
+              <a:rPr lang="ru-RU" sz="1200" dirty="0" smtClean="0"/>
+              <a:t>, используя значение из </a:t>
+            </a:r>
+            <a:r>
+              <a:rPr lang="en-US" sz="1200" dirty="0" smtClean="0"/>
+              <a:t>property</a:t>
+            </a:r>
+            <a:endParaRPr lang="ru-RU" sz="1200" dirty="0" smtClean="0"/>
+          </a:p>
+          <a:p>
+            <a:pPr marL="1257300" lvl="2" indent="-457200"/>
+            <a:r>
+              <a:rPr lang="ru-RU" sz="1200" dirty="0" smtClean="0"/>
+              <a:t>Далее необходимо зашифровать </a:t>
+            </a:r>
+            <a:r>
+              <a:rPr lang="ru-RU" sz="1200" dirty="0" err="1" smtClean="0"/>
+              <a:t>токен</a:t>
+            </a:r>
+            <a:r>
+              <a:rPr lang="ru-RU" sz="1200" dirty="0" smtClean="0"/>
+              <a:t> секретом и преобразовать в строку, используя </a:t>
+            </a:r>
+            <a:r>
+              <a:rPr lang="en-US" sz="1200" i="1" dirty="0"/>
+              <a:t>.</a:t>
+            </a:r>
+            <a:r>
+              <a:rPr lang="en-US" sz="1200" i="1" dirty="0" err="1"/>
+              <a:t>signWith</a:t>
+            </a:r>
+            <a:r>
+              <a:rPr lang="en-US" sz="1200" i="1" dirty="0"/>
+              <a:t>(SignatureAlgorithm.HS512, secret).compact</a:t>
+            </a:r>
+            <a:r>
+              <a:rPr lang="en-US" sz="1200" i="1" dirty="0" smtClean="0"/>
+              <a:t>()</a:t>
+            </a:r>
+            <a:endParaRPr lang="ru-RU" sz="1200" dirty="0" smtClean="0"/>
+          </a:p>
+          <a:p>
+            <a:pPr marL="857250" lvl="1" indent="-457200"/>
+            <a:r>
+              <a:rPr lang="ru-RU" sz="1200" dirty="0" smtClean="0"/>
+              <a:t>Создать </a:t>
+            </a:r>
+            <a:r>
+              <a:rPr lang="ru-RU" sz="1200" dirty="0"/>
+              <a:t>метод </a:t>
+            </a:r>
+            <a:r>
+              <a:rPr lang="en-US" sz="1200" i="1" dirty="0"/>
+              <a:t>public </a:t>
+            </a:r>
+            <a:r>
+              <a:rPr lang="en-US" sz="1200" i="1" dirty="0" err="1"/>
+              <a:t>UserDetails</a:t>
+            </a:r>
+            <a:r>
+              <a:rPr lang="en-US" sz="1200" i="1" dirty="0"/>
+              <a:t> </a:t>
+            </a:r>
+            <a:r>
+              <a:rPr lang="en-US" sz="1200" i="1" dirty="0" err="1"/>
+              <a:t>parseJwtToken</a:t>
+            </a:r>
+            <a:r>
+              <a:rPr lang="en-US" sz="1200" i="1" dirty="0"/>
+              <a:t>(String token) </a:t>
+            </a:r>
+            <a:endParaRPr lang="ru-RU" sz="1200" i="1" dirty="0"/>
+          </a:p>
+          <a:p>
+            <a:pPr marL="1257300" lvl="2" indent="-457200"/>
+            <a:r>
+              <a:rPr lang="ru-RU" sz="1200" dirty="0"/>
+              <a:t>Получить значение </a:t>
+            </a:r>
+            <a:r>
+              <a:rPr lang="ru-RU" sz="1200" dirty="0" err="1"/>
+              <a:t>токена</a:t>
+            </a:r>
+            <a:r>
+              <a:rPr lang="ru-RU" sz="1200" dirty="0"/>
+              <a:t>, отбросив префикс </a:t>
+            </a:r>
+            <a:r>
+              <a:rPr lang="en-US" sz="1200" i="1" dirty="0"/>
+              <a:t>"Bearer </a:t>
+            </a:r>
+            <a:r>
+              <a:rPr lang="en-US" sz="1200" i="1" dirty="0" smtClean="0"/>
+              <a:t>"</a:t>
+            </a:r>
+            <a:endParaRPr lang="ru-RU" sz="1200" dirty="0"/>
+          </a:p>
+          <a:p>
+            <a:pPr marL="1257300" lvl="2" indent="-457200"/>
+            <a:r>
+              <a:rPr lang="ru-RU" sz="1200" dirty="0" err="1"/>
+              <a:t>Распарсить</a:t>
+            </a:r>
+            <a:r>
+              <a:rPr lang="ru-RU" sz="1200" dirty="0"/>
+              <a:t> </a:t>
+            </a:r>
+            <a:r>
+              <a:rPr lang="ru-RU" sz="1200" dirty="0" err="1"/>
+              <a:t>токен</a:t>
+            </a:r>
+            <a:r>
+              <a:rPr lang="ru-RU" sz="1200" dirty="0"/>
+              <a:t> в специальный объект</a:t>
+            </a:r>
+            <a:r>
+              <a:rPr lang="ru-RU" sz="1200" i="1" dirty="0"/>
+              <a:t/>
+            </a:r>
+            <a:br>
+              <a:rPr lang="ru-RU" sz="1200" i="1" dirty="0"/>
+            </a:br>
+            <a:r>
+              <a:rPr lang="en-US" sz="1200" i="1" dirty="0"/>
+              <a:t>Claims </a:t>
+            </a:r>
+            <a:r>
+              <a:rPr lang="en-US" sz="1200" i="1" dirty="0" err="1"/>
+              <a:t>claims</a:t>
+            </a:r>
+            <a:r>
+              <a:rPr lang="en-US" sz="1200" i="1" dirty="0"/>
+              <a:t> = </a:t>
+            </a:r>
+            <a:r>
+              <a:rPr lang="en-US" sz="1200" i="1" dirty="0" err="1"/>
+              <a:t>Jwts.parser</a:t>
+            </a:r>
+            <a:r>
+              <a:rPr lang="en-US" sz="1200" i="1" dirty="0"/>
+              <a:t>().</a:t>
+            </a:r>
+            <a:r>
+              <a:rPr lang="en-US" sz="1200" i="1" dirty="0" err="1"/>
+              <a:t>setSigningKey</a:t>
+            </a:r>
+            <a:r>
+              <a:rPr lang="en-US" sz="1200" i="1" dirty="0"/>
+              <a:t>(secret).</a:t>
+            </a:r>
+            <a:r>
+              <a:rPr lang="en-US" sz="1200" i="1" dirty="0" err="1"/>
+              <a:t>parseClaimsJws</a:t>
+            </a:r>
+            <a:r>
+              <a:rPr lang="en-US" sz="1200" i="1" dirty="0"/>
+              <a:t>(</a:t>
+            </a:r>
+            <a:r>
+              <a:rPr lang="en-US" sz="1200" i="1" dirty="0" err="1"/>
+              <a:t>jwtToken</a:t>
+            </a:r>
+            <a:r>
+              <a:rPr lang="en-US" sz="1200" i="1" dirty="0"/>
+              <a:t>).</a:t>
+            </a:r>
+            <a:r>
+              <a:rPr lang="en-US" sz="1200" i="1" dirty="0" err="1"/>
+              <a:t>getBody</a:t>
+            </a:r>
+            <a:r>
+              <a:rPr lang="en-US" sz="1200" i="1" dirty="0"/>
+              <a:t>();</a:t>
+            </a:r>
+            <a:endParaRPr lang="ru-RU" sz="1200" i="1" dirty="0"/>
+          </a:p>
+          <a:p>
+            <a:pPr marL="1257300" lvl="2" indent="-457200"/>
+            <a:r>
+              <a:rPr lang="ru-RU" sz="1200" dirty="0"/>
+              <a:t>Создать</a:t>
+            </a:r>
+            <a:r>
+              <a:rPr lang="en-US" sz="1200" dirty="0"/>
+              <a:t> </a:t>
+            </a:r>
+            <a:r>
+              <a:rPr lang="ru-RU" sz="1200" dirty="0"/>
+              <a:t>и вернуть экземпляр объекта</a:t>
+            </a:r>
+            <a:r>
+              <a:rPr lang="ru-RU" sz="1200" i="1" dirty="0"/>
+              <a:t> </a:t>
+            </a:r>
+            <a:r>
+              <a:rPr lang="en-US" sz="1200" i="1" dirty="0"/>
+              <a:t>User</a:t>
+            </a:r>
+            <a:r>
+              <a:rPr lang="ru-RU" sz="1200" dirty="0"/>
+              <a:t>, задав </a:t>
+            </a:r>
+            <a:r>
+              <a:rPr lang="en-US" sz="1200" i="1" dirty="0"/>
+              <a:t>username (</a:t>
+            </a:r>
+            <a:r>
+              <a:rPr lang="en-US" sz="1200" i="1" dirty="0" err="1"/>
+              <a:t>getSubject</a:t>
+            </a:r>
+            <a:r>
+              <a:rPr lang="en-US" sz="1200" i="1" dirty="0"/>
+              <a:t>()) </a:t>
+            </a:r>
+            <a:r>
+              <a:rPr lang="ru-RU" sz="1200" dirty="0"/>
+              <a:t>и роль </a:t>
+            </a:r>
+            <a:r>
+              <a:rPr lang="ru-RU" sz="1200" i="1" dirty="0"/>
+              <a:t>(</a:t>
+            </a:r>
+            <a:r>
+              <a:rPr lang="en-US" sz="1200" i="1" dirty="0"/>
+              <a:t>get("Authority", </a:t>
+            </a:r>
+            <a:r>
+              <a:rPr lang="en-US" sz="1200" i="1" dirty="0" err="1"/>
+              <a:t>String.class</a:t>
+            </a:r>
+            <a:r>
+              <a:rPr lang="ru-RU" sz="1200" i="1" dirty="0"/>
+              <a:t>)</a:t>
+            </a:r>
+          </a:p>
+          <a:p>
+            <a:pPr marL="0" indent="0">
+              <a:buNone/>
+            </a:pPr>
+            <a:r>
+              <a:rPr lang="ru-RU" sz="1200" dirty="0"/>
+              <a:t/>
+            </a:r>
+            <a:br>
+              <a:rPr lang="ru-RU" sz="1200" dirty="0"/>
+            </a:br>
+            <a:endParaRPr lang="ru-RU" sz="1200" i="1" dirty="0" smtClean="0"/>
+          </a:p>
+          <a:p>
+            <a:pPr marL="1257300" lvl="2" indent="-457200"/>
+            <a:endParaRPr lang="ru-RU" sz="1200" i="1" dirty="0"/>
+          </a:p>
+          <a:p>
+            <a:pPr marL="457200" indent="-457200">
+              <a:buFont typeface="+mj-lt"/>
+              <a:buAutoNum type="arabicPeriod"/>
+            </a:pPr>
+            <a:endParaRPr lang="ru-RU" sz="1200" dirty="0" smtClean="0"/>
+          </a:p>
+        </p:txBody>
+      </p:sp>
+      <p:sp>
+        <p:nvSpPr>
+          <p:cNvPr id="3" name="Заголовок 2"/>
+          <p:cNvSpPr>
+            <a:spLocks noGrp="1"/>
+          </p:cNvSpPr>
+          <p:nvPr>
+            <p:ph type="title"/>
+          </p:nvPr>
+        </p:nvSpPr>
+        <p:spPr>
+          <a:xfrm>
+            <a:off x="107504" y="359465"/>
+            <a:ext cx="8856984" cy="1143000"/>
+          </a:xfrm>
+        </p:spPr>
+        <p:txBody>
+          <a:bodyPr>
+            <a:noAutofit/>
+          </a:bodyPr>
+          <a:lstStyle/>
+          <a:p>
+            <a:r>
+              <a:rPr lang="en-US" dirty="0" smtClean="0"/>
+              <a:t>JWT token </a:t>
+            </a:r>
+            <a:r>
+              <a:rPr lang="en-US" dirty="0" err="1" smtClean="0"/>
+              <a:t>auth</a:t>
+            </a:r>
+            <a:r>
+              <a:rPr lang="ru-RU" dirty="0" smtClean="0"/>
+              <a:t> (на основе </a:t>
+            </a:r>
+            <a:r>
+              <a:rPr lang="en-US" dirty="0" err="1" smtClean="0"/>
+              <a:t>UserDetails</a:t>
+            </a:r>
+            <a:r>
+              <a:rPr lang="en-US" dirty="0" smtClean="0"/>
+              <a:t> </a:t>
+            </a:r>
+            <a:r>
+              <a:rPr lang="en-US" dirty="0" err="1" smtClean="0"/>
+              <a:t>auth</a:t>
+            </a:r>
+            <a:r>
+              <a:rPr lang="ru-RU" dirty="0" smtClean="0"/>
+              <a:t>)</a:t>
+            </a:r>
+            <a:endParaRPr lang="en-US" dirty="0"/>
+          </a:p>
+        </p:txBody>
+      </p:sp>
+    </p:spTree>
+    <p:extLst>
+      <p:ext uri="{BB962C8B-B14F-4D97-AF65-F5344CB8AC3E}">
+        <p14:creationId xmlns:p14="http://schemas.microsoft.com/office/powerpoint/2010/main" val="2648287418"/>
       </p:ext>
     </p:extLst>
   </p:cSld>

--- a/SpringSecurity.pptx
+++ b/SpringSecurity.pptx
@@ -210,7 +210,7 @@
             <a:fld id="{A849C5AD-4428-4E9C-9C84-11B72C9365FB}" type="datetimeFigureOut">
               <a:rPr lang="en-US" smtClean="0"/>
               <a:pPr/>
-              <a:t>12/20/2020</a:t>
+              <a:t>12/21/2020</a:t>
             </a:fld>
             <a:endParaRPr lang="en-US"/>
           </a:p>
@@ -364,7 +364,7 @@
             <a:fld id="{D7547E60-4BE7-4E4E-9AAA-5EE35AEC995C}" type="datetimeFigureOut">
               <a:rPr lang="en-US" smtClean="0"/>
               <a:pPr/>
-              <a:t>12/20/2020</a:t>
+              <a:t>12/21/2020</a:t>
             </a:fld>
             <a:endParaRPr lang="en-US"/>
           </a:p>
@@ -957,7 +957,7 @@
             <a:fld id="{5C14FD69-4A85-4715-A222-ABB225B63BC6}" type="datetimeFigureOut">
               <a:rPr lang="en-US" smtClean="0"/>
               <a:pPr/>
-              <a:t>12/20/2020</a:t>
+              <a:t>12/21/2020</a:t>
             </a:fld>
             <a:endParaRPr lang="en-US"/>
           </a:p>
@@ -1136,7 +1136,7 @@
             <a:fld id="{5C14FD69-4A85-4715-A222-ABB225B63BC6}" type="datetimeFigureOut">
               <a:rPr lang="en-US" smtClean="0"/>
               <a:pPr/>
-              <a:t>12/20/2020</a:t>
+              <a:t>12/21/2020</a:t>
             </a:fld>
             <a:endParaRPr lang="en-US"/>
           </a:p>
@@ -1263,7 +1263,7 @@
             <a:fld id="{5C14FD69-4A85-4715-A222-ABB225B63BC6}" type="datetimeFigureOut">
               <a:rPr lang="en-US" smtClean="0"/>
               <a:pPr/>
-              <a:t>12/20/2020</a:t>
+              <a:t>12/21/2020</a:t>
             </a:fld>
             <a:endParaRPr lang="en-US"/>
           </a:p>
@@ -1356,7 +1356,7 @@
             <a:fld id="{5C14FD69-4A85-4715-A222-ABB225B63BC6}" type="datetimeFigureOut">
               <a:rPr lang="en-US" smtClean="0"/>
               <a:pPr/>
-              <a:t>12/20/2020</a:t>
+              <a:t>12/21/2020</a:t>
             </a:fld>
             <a:endParaRPr lang="en-US"/>
           </a:p>
@@ -1597,7 +1597,7 @@
             <a:fld id="{5C14FD69-4A85-4715-A222-ABB225B63BC6}" type="datetimeFigureOut">
               <a:rPr lang="en-US" smtClean="0"/>
               <a:pPr/>
-              <a:t>12/20/2020</a:t>
+              <a:t>12/21/2020</a:t>
             </a:fld>
             <a:endParaRPr lang="en-US"/>
           </a:p>
@@ -1776,7 +1776,7 @@
             <a:fld id="{5C14FD69-4A85-4715-A222-ABB225B63BC6}" type="datetimeFigureOut">
               <a:rPr lang="en-US" smtClean="0"/>
               <a:pPr/>
-              <a:t>12/20/2020</a:t>
+              <a:t>12/21/2020</a:t>
             </a:fld>
             <a:endParaRPr lang="en-US"/>
           </a:p>
@@ -2017,7 +2017,7 @@
             <a:fld id="{5C14FD69-4A85-4715-A222-ABB225B63BC6}" type="datetimeFigureOut">
               <a:rPr lang="en-US" smtClean="0"/>
               <a:pPr/>
-              <a:t>12/20/2020</a:t>
+              <a:t>12/21/2020</a:t>
             </a:fld>
             <a:endParaRPr lang="en-US"/>
           </a:p>
@@ -2291,7 +2291,7 @@
             <a:fld id="{5C14FD69-4A85-4715-A222-ABB225B63BC6}" type="datetimeFigureOut">
               <a:rPr lang="en-US" smtClean="0"/>
               <a:pPr/>
-              <a:t>12/20/2020</a:t>
+              <a:t>12/21/2020</a:t>
             </a:fld>
             <a:endParaRPr lang="en-US" sz="1000" dirty="0"/>
           </a:p>
@@ -2516,7 +2516,12 @@
             <p:ph type="ctrTitle"/>
           </p:nvPr>
         </p:nvSpPr>
-        <p:spPr/>
+        <p:spPr>
+          <a:xfrm>
+            <a:off x="1108986" y="3555206"/>
+            <a:ext cx="7577814" cy="1470025"/>
+          </a:xfrm>
+        </p:spPr>
         <p:txBody>
           <a:bodyPr/>
           <a:lstStyle/>
@@ -2590,6 +2595,71 @@
           </a:p>
         </p:txBody>
       </p:sp>
+      <p:sp>
+        <p:nvSpPr>
+          <p:cNvPr id="5" name="Заголовок 2"/>
+          <p:cNvSpPr txBox="1">
+            <a:spLocks/>
+          </p:cNvSpPr>
+          <p:nvPr/>
+        </p:nvSpPr>
+        <p:spPr>
+          <a:xfrm>
+            <a:off x="457200" y="4821237"/>
+            <a:ext cx="8229600" cy="1143000"/>
+          </a:xfrm>
+          <a:prstGeom prst="rect">
+            <a:avLst/>
+          </a:prstGeom>
+        </p:spPr>
+        <p:txBody>
+          <a:bodyPr anchor="b" anchorCtr="0">
+            <a:normAutofit/>
+          </a:bodyPr>
+          <a:lstStyle>
+            <a:defPPr>
+              <a:defRPr sz="4400">
+                <a:solidFill>
+                  <a:schemeClr val="tx1"/>
+                </a:solidFill>
+                <a:latin typeface="+mj-lt"/>
+                <a:ea typeface="+mj-ea"/>
+                <a:cs typeface="+mj-cs"/>
+              </a:defRPr>
+            </a:defPPr>
+            <a:lvl1pPr algn="r" eaLnBrk="1" hangingPunct="1">
+              <a:buNone/>
+              <a:defRPr sz="4000">
+                <a:solidFill>
+                  <a:schemeClr val="tx1">
+                    <a:alpha val="100000"/>
+                  </a:schemeClr>
+                </a:solidFill>
+                <a:latin typeface="+mj-lt"/>
+              </a:defRPr>
+            </a:lvl1pPr>
+          </a:lstStyle>
+          <a:p>
+            <a:r>
+              <a:rPr lang="en-US" kern="0" dirty="0"/>
+              <a:t>Authorization </a:t>
+            </a:r>
+            <a:r>
+              <a:rPr lang="en-US" kern="0" dirty="0" smtClean="0"/>
+              <a:t>&amp; Authentication [</a:t>
+            </a:r>
+            <a:r>
+              <a:rPr lang="en-US" kern="0" dirty="0" err="1" smtClean="0"/>
+              <a:t>auth</a:t>
+            </a:r>
+            <a:r>
+              <a:rPr lang="en-US" kern="0" dirty="0" smtClean="0"/>
+              <a:t>]</a:t>
+            </a:r>
+            <a:endParaRPr lang="en-US" kern="0" dirty="0"/>
+          </a:p>
+        </p:txBody>
+      </p:sp>
     </p:spTree>
   </p:cSld>
   <p:clrMapOvr>
@@ -2633,7 +2703,7 @@
         </p:spPr>
         <p:txBody>
           <a:bodyPr>
-            <a:normAutofit/>
+            <a:noAutofit/>
           </a:bodyPr>
           <a:lstStyle/>
           <a:p>
@@ -2642,29 +2712,63 @@
               <a:buAutoNum type="arabicPeriod"/>
             </a:pPr>
             <a:r>
+              <a:rPr lang="ru-RU" sz="1400" dirty="0" smtClean="0"/>
+              <a:t>Добавить </a:t>
+            </a:r>
+            <a:r>
+              <a:rPr lang="en-US" sz="1400" i="1" dirty="0" err="1" smtClean="0"/>
+              <a:t>RestSecurityConfig</a:t>
+            </a:r>
+            <a:r>
+              <a:rPr lang="ru-RU" sz="1400" dirty="0" smtClean="0"/>
+              <a:t> </a:t>
+            </a:r>
+            <a:r>
               <a:rPr lang="ru-RU" sz="1400" dirty="0"/>
-              <a:t>Добавить в зависимости </a:t>
-            </a:r>
+              <a:t>наследник </a:t>
+            </a:r>
+            <a:r>
+              <a:rPr lang="en-US" sz="1400" i="1" dirty="0" err="1">
+                <a:cs typeface="Arial" panose="020B0604020202020204" pitchFamily="34" charset="0"/>
+              </a:rPr>
+              <a:t>WebSecurityConfigurerAdapter</a:t>
+            </a:r>
+            <a:r>
+              <a:rPr lang="ru-RU" sz="1400" dirty="0"/>
+              <a:t>, переопределить его методы</a:t>
+            </a:r>
+          </a:p>
+          <a:p>
+            <a:pPr marL="857250" lvl="1" indent="-457200"/>
             <a:r>
               <a:rPr lang="en-US" sz="1400" i="1" dirty="0"/>
-              <a:t>spring-boot-starter-security</a:t>
-            </a:r>
-            <a:r>
-              <a:rPr lang="en-US" sz="1400" dirty="0"/>
-              <a:t> </a:t>
-            </a:r>
-            <a:r>
-              <a:rPr lang="ru-RU" sz="1400" dirty="0"/>
-              <a:t>и </a:t>
+              <a:t>void configure(</a:t>
+            </a:r>
+            <a:r>
+              <a:rPr lang="en-US" sz="1400" i="1" dirty="0" err="1"/>
+              <a:t>AuthenticationManagerBuilder</a:t>
             </a:r>
             <a:r>
               <a:rPr lang="en-US" sz="1400" i="1" dirty="0"/>
-              <a:t>spring-security-test</a:t>
-            </a:r>
-            <a:r>
-              <a:rPr lang="ru-RU" sz="1400" dirty="0"/>
-              <a:t> для тестов.</a:t>
-            </a:r>
+              <a:t> auth)</a:t>
+            </a:r>
+            <a:endParaRPr lang="ru-RU" sz="1400" i="1" dirty="0"/>
+          </a:p>
+          <a:p>
+            <a:pPr marL="857250" lvl="1" indent="-457200"/>
+            <a:r>
+              <a:rPr lang="en-US" sz="1400" i="1" dirty="0"/>
+              <a:t>void configure(</a:t>
+            </a:r>
+            <a:r>
+              <a:rPr lang="en-US" sz="1400" i="1" dirty="0" err="1"/>
+              <a:t>HttpSecurity</a:t>
+            </a:r>
+            <a:r>
+              <a:rPr lang="en-US" sz="1400" i="1" dirty="0"/>
+              <a:t> http)</a:t>
+            </a:r>
+            <a:endParaRPr lang="ru-RU" sz="1400" i="1" dirty="0"/>
           </a:p>
           <a:p>
             <a:pPr marL="457200" indent="-457200">
@@ -2673,48 +2777,141 @@
             </a:pPr>
             <a:r>
               <a:rPr lang="ru-RU" sz="1400" dirty="0"/>
-              <a:t>Добавить класс, наследник </a:t>
-            </a:r>
-            <a:r>
-              <a:rPr lang="en-US" sz="1400" i="1" dirty="0" err="1">
-                <a:cs typeface="Arial" panose="020B0604020202020204" pitchFamily="34" charset="0"/>
-              </a:rPr>
-              <a:t>WebSecurityConfigurerAdapter</a:t>
-            </a:r>
+              <a:t>В первом переопределенном методе сконфигурировать </a:t>
+            </a:r>
+            <a:r>
+              <a:rPr lang="en-US" sz="1400" i="1" dirty="0" err="1"/>
+              <a:t>AuthenticationManager</a:t>
+            </a:r>
+            <a:endParaRPr lang="ru-RU" sz="1400" i="1" dirty="0"/>
+          </a:p>
+          <a:p>
+            <a:pPr marL="857250" lvl="1" indent="-457200"/>
             <a:r>
               <a:rPr lang="ru-RU" sz="1400" dirty="0"/>
-              <a:t>, переопределить его методы</a:t>
-            </a:r>
+              <a:t>С помощью статического метода </a:t>
+            </a:r>
+            <a:r>
+              <a:rPr lang="en-US" sz="1400" i="1" dirty="0" err="1"/>
+              <a:t>PasswordEncoderFactories.createDelegatingPasswordEncoder</a:t>
+            </a:r>
+            <a:r>
+              <a:rPr lang="en-US" sz="1400" i="1" dirty="0"/>
+              <a:t>()</a:t>
+            </a:r>
+            <a:r>
+              <a:rPr lang="ru-RU" sz="1400" dirty="0"/>
+              <a:t> создать инстанс </a:t>
+            </a:r>
+            <a:r>
+              <a:rPr lang="en-US" sz="1400" i="1" dirty="0" err="1"/>
+              <a:t>PasswordEncoder</a:t>
+            </a:r>
+            <a:endParaRPr lang="ru-RU" sz="1400" i="1" dirty="0"/>
           </a:p>
           <a:p>
             <a:pPr marL="857250" lvl="1" indent="-457200"/>
             <a:r>
-              <a:rPr lang="en-US" sz="1400" i="1" dirty="0"/>
-              <a:t>void configure(</a:t>
+              <a:rPr lang="ru-RU" sz="1400" dirty="0"/>
+              <a:t>Последовательно задать экземпляру </a:t>
             </a:r>
             <a:r>
               <a:rPr lang="en-US" sz="1400" i="1" dirty="0" err="1"/>
               <a:t>AuthenticationManagerBuilder</a:t>
             </a:r>
             <a:r>
+              <a:rPr lang="ru-RU" sz="1400" i="1" dirty="0"/>
+              <a:t>:</a:t>
+            </a:r>
+          </a:p>
+          <a:p>
+            <a:pPr marL="1257300" lvl="2" indent="-457200"/>
+            <a:r>
+              <a:rPr lang="ru-RU" sz="1400" dirty="0"/>
+              <a:t>Режим аутентификации в памяти</a:t>
+            </a:r>
+          </a:p>
+          <a:p>
+            <a:pPr marL="1257300" lvl="2" indent="-457200"/>
+            <a:r>
+              <a:rPr lang="ru-RU" sz="1400" dirty="0"/>
+              <a:t>Экземпляр </a:t>
+            </a:r>
+            <a:r>
+              <a:rPr lang="en-US" sz="1400" i="1" dirty="0" err="1"/>
+              <a:t>PasswordEncoder</a:t>
+            </a:r>
+            <a:endParaRPr lang="ru-RU" sz="1400" i="1" dirty="0"/>
+          </a:p>
+          <a:p>
+            <a:pPr marL="1257300" lvl="2" indent="-457200"/>
+            <a:r>
+              <a:rPr lang="ru-RU" sz="1400" dirty="0"/>
+              <a:t>Пользователя </a:t>
+            </a:r>
+            <a:r>
               <a:rPr lang="en-US" sz="1400" i="1" dirty="0"/>
-              <a:t> auth)</a:t>
+              <a:t>user</a:t>
+            </a:r>
+            <a:r>
+              <a:rPr lang="en-US" sz="1400" dirty="0"/>
+              <a:t> c</a:t>
+            </a:r>
+            <a:r>
+              <a:rPr lang="ru-RU" sz="1400" dirty="0"/>
+              <a:t> ролью </a:t>
+            </a:r>
+            <a:r>
+              <a:rPr lang="en-US" sz="1400" i="1" dirty="0"/>
+              <a:t>USER</a:t>
+            </a:r>
+            <a:r>
+              <a:rPr lang="en-US" sz="1400" dirty="0"/>
+              <a:t> </a:t>
+            </a:r>
+            <a:r>
+              <a:rPr lang="ru-RU" sz="1400" dirty="0"/>
+              <a:t>и паролем </a:t>
+            </a:r>
+            <a:r>
+              <a:rPr lang="en-US" sz="1400" i="1" dirty="0"/>
+              <a:t>password</a:t>
             </a:r>
             <a:endParaRPr lang="ru-RU" sz="1400" i="1" dirty="0"/>
           </a:p>
           <a:p>
-            <a:pPr marL="857250" lvl="1" indent="-457200"/>
+            <a:pPr marL="1257300" lvl="2" indent="-457200"/>
+            <a:r>
+              <a:rPr lang="ru-RU" sz="1400" dirty="0"/>
+              <a:t>И пользователя </a:t>
+            </a:r>
             <a:r>
               <a:rPr lang="en-US" sz="1400" i="1" dirty="0"/>
-              <a:t>void configure(</a:t>
-            </a:r>
-            <a:r>
-              <a:rPr lang="en-US" sz="1400" i="1" dirty="0" err="1"/>
-              <a:t>HttpSecurity</a:t>
+              <a:t>superuser</a:t>
+            </a:r>
+            <a:r>
+              <a:rPr lang="en-US" sz="1400" dirty="0"/>
+              <a:t> c</a:t>
+            </a:r>
+            <a:r>
+              <a:rPr lang="ru-RU" sz="1400" dirty="0"/>
+              <a:t> ролью </a:t>
             </a:r>
             <a:r>
               <a:rPr lang="en-US" sz="1400" i="1" dirty="0"/>
-              <a:t> http)</a:t>
+              <a:t>SUPERUSER</a:t>
+            </a:r>
+            <a:r>
+              <a:rPr lang="en-US" sz="1400" dirty="0"/>
+              <a:t> </a:t>
+            </a:r>
+            <a:r>
+              <a:rPr lang="ru-RU" sz="1400" dirty="0"/>
+              <a:t>и паролем </a:t>
+            </a:r>
+            <a:r>
+              <a:rPr lang="en-US" sz="1400" i="1" dirty="0"/>
+              <a:t>password</a:t>
             </a:r>
             <a:endParaRPr lang="ru-RU" sz="1400" i="1" dirty="0"/>
           </a:p>
@@ -2725,11 +2922,11 @@
             </a:pPr>
             <a:r>
               <a:rPr lang="ru-RU" sz="1400" dirty="0"/>
-              <a:t>В первом переопределенном методе сконфигурировать </a:t>
+              <a:t>Во втором переопределенном методе сконфигурировать </a:t>
             </a:r>
             <a:r>
               <a:rPr lang="en-US" sz="1400" i="1" dirty="0" err="1"/>
-              <a:t>AuthenticationManager</a:t>
+              <a:t>HttpSecurity</a:t>
             </a:r>
             <a:endParaRPr lang="ru-RU" sz="1400" i="1" dirty="0"/>
           </a:p>
@@ -2737,235 +2934,90 @@
             <a:pPr marL="857250" lvl="1" indent="-457200"/>
             <a:r>
               <a:rPr lang="ru-RU" sz="1400" dirty="0"/>
-              <a:t>С помощью статического метода </a:t>
+              <a:t>Задать базовую аутентификацию</a:t>
+            </a:r>
+          </a:p>
+          <a:p>
+            <a:pPr marL="857250" lvl="1" indent="-457200"/>
+            <a:r>
+              <a:rPr lang="ru-RU" sz="1400" dirty="0" smtClean="0"/>
+              <a:t>Задать </a:t>
+            </a:r>
+            <a:r>
+              <a:rPr lang="ru-RU" sz="1400" dirty="0"/>
+              <a:t>конфигурацию авторизации запросов с использованием </a:t>
             </a:r>
             <a:r>
               <a:rPr lang="en-US" sz="1400" i="1" dirty="0" err="1"/>
-              <a:t>PasswordEncoderFactories.createDelegatingPasswordEncoder</a:t>
-            </a:r>
-            <a:r>
-              <a:rPr lang="en-US" sz="1400" i="1" dirty="0"/>
-              <a:t>()</a:t>
+              <a:t>antMatchers</a:t>
             </a:r>
             <a:r>
               <a:rPr lang="ru-RU" sz="1400" dirty="0"/>
-              <a:t> создать инстанс </a:t>
-            </a:r>
-            <a:r>
-              <a:rPr lang="en-US" sz="1400" i="1" dirty="0" err="1"/>
-              <a:t>PasswordEncoder</a:t>
-            </a:r>
-            <a:endParaRPr lang="ru-RU" sz="1400" i="1" dirty="0"/>
-          </a:p>
-          <a:p>
-            <a:pPr marL="857250" lvl="1" indent="-457200"/>
+              <a:t>:</a:t>
+            </a:r>
+          </a:p>
+          <a:p>
+            <a:pPr marL="1257300" lvl="2" indent="-457200"/>
+            <a:r>
+              <a:rPr lang="en-US" sz="1400" dirty="0"/>
+              <a:t>POST /contract</a:t>
+            </a:r>
             <a:r>
               <a:rPr lang="ru-RU" sz="1400" dirty="0"/>
-              <a:t>Последовательно задать экземпляру </a:t>
-            </a:r>
-            <a:r>
-              <a:rPr lang="en-US" sz="1400" i="1" dirty="0" err="1"/>
-              <a:t>AuthenticationManagerBuilder</a:t>
-            </a:r>
-            <a:r>
-              <a:rPr lang="ru-RU" sz="1400" i="1" dirty="0"/>
-              <a:t>:</a:t>
+              <a:t> для роли </a:t>
+            </a:r>
+            <a:r>
+              <a:rPr lang="en-US" sz="1400" dirty="0"/>
+              <a:t>SUPERUSER</a:t>
             </a:r>
           </a:p>
           <a:p>
             <a:pPr marL="1257300" lvl="2" indent="-457200"/>
             <a:r>
+              <a:rPr lang="en-US" sz="1400" dirty="0"/>
+              <a:t>DELETE /contract/*</a:t>
+            </a:r>
+            <a:r>
               <a:rPr lang="ru-RU" sz="1400" dirty="0"/>
-              <a:t>Режим аутентификации в памяти</a:t>
+              <a:t> для роли </a:t>
+            </a:r>
+            <a:r>
+              <a:rPr lang="en-US" sz="1400" dirty="0"/>
+              <a:t>SUPERUSER</a:t>
             </a:r>
           </a:p>
           <a:p>
             <a:pPr marL="1257300" lvl="2" indent="-457200"/>
             <a:r>
+              <a:rPr lang="en-US" sz="1400" dirty="0"/>
+              <a:t>GET /contract </a:t>
+            </a:r>
+            <a:r>
               <a:rPr lang="ru-RU" sz="1400" dirty="0"/>
-              <a:t>Экземпляр </a:t>
-            </a:r>
-            <a:r>
-              <a:rPr lang="en-US" sz="1400" i="1" dirty="0" err="1"/>
-              <a:t>PasswordEncoder</a:t>
-            </a:r>
-            <a:endParaRPr lang="ru-RU" sz="1400" i="1" dirty="0"/>
+              <a:t>для обоих ролей</a:t>
+            </a:r>
           </a:p>
           <a:p>
             <a:pPr marL="1257300" lvl="2" indent="-457200"/>
             <a:r>
+              <a:rPr lang="en-US" sz="1400" dirty="0"/>
+              <a:t>GET/contract/* </a:t>
+            </a:r>
+            <a:r>
               <a:rPr lang="ru-RU" sz="1400" dirty="0"/>
-              <a:t>Пользователя </a:t>
-            </a:r>
-            <a:r>
-              <a:rPr lang="en-US" sz="1400" i="1" dirty="0"/>
-              <a:t>user</a:t>
-            </a:r>
-            <a:r>
-              <a:rPr lang="en-US" sz="1400" dirty="0"/>
-              <a:t> c</a:t>
-            </a:r>
+              <a:t>для обоих ролей</a:t>
+            </a:r>
+          </a:p>
+          <a:p>
+            <a:pPr marL="1257300" lvl="2" indent="-457200"/>
             <a:r>
               <a:rPr lang="ru-RU" sz="1400" dirty="0"/>
-              <a:t> ролью </a:t>
-            </a:r>
-            <a:r>
-              <a:rPr lang="en-US" sz="1400" i="1" dirty="0"/>
-              <a:t>USER</a:t>
+              <a:t>Остальные запросы запретить</a:t>
             </a:r>
             <a:r>
               <a:rPr lang="en-US" sz="1400" dirty="0"/>
               <a:t> </a:t>
             </a:r>
-            <a:r>
-              <a:rPr lang="ru-RU" sz="1400" dirty="0"/>
-              <a:t>и паролем </a:t>
-            </a:r>
-            <a:r>
-              <a:rPr lang="en-US" sz="1400" i="1" dirty="0"/>
-              <a:t>password</a:t>
-            </a:r>
-            <a:endParaRPr lang="ru-RU" sz="1400" i="1" dirty="0"/>
-          </a:p>
-          <a:p>
-            <a:pPr marL="1257300" lvl="2" indent="-457200"/>
-            <a:r>
-              <a:rPr lang="ru-RU" sz="1400" dirty="0"/>
-              <a:t>И пользователя </a:t>
-            </a:r>
-            <a:r>
-              <a:rPr lang="en-US" sz="1400" i="1" dirty="0"/>
-              <a:t>superuser</a:t>
-            </a:r>
-            <a:r>
-              <a:rPr lang="en-US" sz="1400" dirty="0"/>
-              <a:t> c</a:t>
-            </a:r>
-            <a:r>
-              <a:rPr lang="ru-RU" sz="1400" dirty="0"/>
-              <a:t> ролью </a:t>
-            </a:r>
-            <a:r>
-              <a:rPr lang="en-US" sz="1400" i="1" dirty="0"/>
-              <a:t>SUPERUSER</a:t>
-            </a:r>
-            <a:r>
-              <a:rPr lang="en-US" sz="1400" dirty="0"/>
-              <a:t> </a:t>
-            </a:r>
-            <a:r>
-              <a:rPr lang="ru-RU" sz="1400" dirty="0"/>
-              <a:t>и паролем </a:t>
-            </a:r>
-            <a:r>
-              <a:rPr lang="en-US" sz="1400" i="1" dirty="0"/>
-              <a:t>password</a:t>
-            </a:r>
-            <a:endParaRPr lang="ru-RU" sz="1400" i="1" dirty="0"/>
-          </a:p>
-          <a:p>
-            <a:pPr marL="457200" indent="-457200">
-              <a:buFont typeface="+mj-lt"/>
-              <a:buAutoNum type="arabicPeriod"/>
-            </a:pPr>
-            <a:r>
-              <a:rPr lang="ru-RU" sz="1400" dirty="0"/>
-              <a:t>Во втором переопределенном методе сконфигурировать </a:t>
-            </a:r>
-            <a:r>
-              <a:rPr lang="en-US" sz="1400" i="1" dirty="0" err="1"/>
-              <a:t>HttpSecurity</a:t>
-            </a:r>
-            <a:endParaRPr lang="ru-RU" sz="1400" i="1" dirty="0"/>
-          </a:p>
-          <a:p>
-            <a:pPr marL="857250" lvl="1" indent="-457200"/>
-            <a:r>
-              <a:rPr lang="ru-RU" sz="1400" dirty="0"/>
-              <a:t>Задать базовую аутентификацию</a:t>
-            </a:r>
-          </a:p>
-          <a:p>
-            <a:pPr marL="857250" lvl="1" indent="-457200"/>
-            <a:r>
-              <a:rPr lang="ru-RU" sz="1400" dirty="0" smtClean="0"/>
-              <a:t>Задать </a:t>
-            </a:r>
-            <a:r>
-              <a:rPr lang="ru-RU" sz="1400" dirty="0"/>
-              <a:t>конфигурацию авторизации запросов с использованием </a:t>
-            </a:r>
-            <a:r>
-              <a:rPr lang="en-US" sz="1400" i="1" dirty="0" err="1"/>
-              <a:t>antMatchers</a:t>
-            </a:r>
-            <a:r>
-              <a:rPr lang="ru-RU" sz="1400" dirty="0"/>
-              <a:t>:</a:t>
-            </a:r>
-          </a:p>
-          <a:p>
-            <a:pPr marL="1257300" lvl="2" indent="-457200"/>
-            <a:r>
-              <a:rPr lang="en-US" sz="1400" dirty="0"/>
-              <a:t>POST /contract</a:t>
-            </a:r>
-            <a:r>
-              <a:rPr lang="ru-RU" sz="1400" dirty="0"/>
-              <a:t> для роли </a:t>
-            </a:r>
-            <a:r>
-              <a:rPr lang="en-US" sz="1400" dirty="0"/>
-              <a:t>SUPERUSER</a:t>
-            </a:r>
-          </a:p>
-          <a:p>
-            <a:pPr marL="1257300" lvl="2" indent="-457200"/>
-            <a:r>
-              <a:rPr lang="en-US" sz="1400" dirty="0"/>
-              <a:t>DELETE /contract/*</a:t>
-            </a:r>
-            <a:r>
-              <a:rPr lang="ru-RU" sz="1400" dirty="0"/>
-              <a:t> для роли </a:t>
-            </a:r>
-            <a:r>
-              <a:rPr lang="en-US" sz="1400" dirty="0"/>
-              <a:t>SUPERUSER</a:t>
-            </a:r>
-          </a:p>
-          <a:p>
-            <a:pPr marL="1257300" lvl="2" indent="-457200"/>
-            <a:r>
-              <a:rPr lang="en-US" sz="1400" dirty="0"/>
-              <a:t>GET /contract </a:t>
-            </a:r>
-            <a:r>
-              <a:rPr lang="ru-RU" sz="1400" dirty="0"/>
-              <a:t>для обоих ролей</a:t>
-            </a:r>
-          </a:p>
-          <a:p>
-            <a:pPr marL="1257300" lvl="2" indent="-457200"/>
-            <a:r>
-              <a:rPr lang="en-US" sz="1400" dirty="0"/>
-              <a:t>GET/contract/* </a:t>
-            </a:r>
-            <a:r>
-              <a:rPr lang="ru-RU" sz="1400" dirty="0"/>
-              <a:t>для обоих ролей</a:t>
-            </a:r>
-          </a:p>
-          <a:p>
-            <a:pPr marL="1257300" lvl="2" indent="-457200"/>
-            <a:r>
-              <a:rPr lang="ru-RU" sz="1400" dirty="0"/>
-              <a:t>Остальные запросы запретить</a:t>
-            </a:r>
-            <a:r>
-              <a:rPr lang="en-US" sz="1400" dirty="0"/>
-              <a:t> </a:t>
-            </a:r>
             <a:endParaRPr lang="en-US" sz="1400" dirty="0" smtClean="0"/>
           </a:p>
           <a:p>
@@ -3006,39 +3058,16 @@
               <a:rPr lang="en-US" sz="1400" dirty="0" err="1" smtClean="0"/>
               <a:t>csrf</a:t>
             </a:r>
+            <a:endParaRPr lang="en-US" sz="1400" dirty="0" smtClean="0"/>
+          </a:p>
+          <a:p>
+            <a:pPr marL="457200" indent="-457200"/>
+            <a:r>
+              <a:rPr lang="ru-RU" sz="1400" dirty="0" smtClean="0"/>
+              <a:t>Тесты должны проходить</a:t>
+            </a:r>
             <a:endParaRPr lang="ru-RU" sz="1400" dirty="0"/>
           </a:p>
-          <a:p>
-            <a:pPr marL="457200" indent="-457200"/>
-            <a:r>
-              <a:rPr lang="ru-RU" sz="1400" dirty="0"/>
-              <a:t>В тестах для базовой аутентификации использовать метод</a:t>
-            </a:r>
-            <a:r>
-              <a:rPr lang="en-US" sz="1400" dirty="0"/>
-              <a:t/>
-            </a:r>
-            <a:br>
-              <a:rPr lang="en-US" sz="1400" dirty="0"/>
-            </a:br>
-            <a:r>
-              <a:rPr lang="en-US" sz="1400" i="1" dirty="0" err="1"/>
-              <a:t>TestRestTemplate</a:t>
-            </a:r>
-            <a:r>
-              <a:rPr lang="en-US" sz="1400" i="1" dirty="0"/>
-              <a:t> </a:t>
-            </a:r>
-            <a:r>
-              <a:rPr lang="en-US" sz="1400" i="1" dirty="0" err="1"/>
-              <a:t>withBasicAuth</a:t>
-            </a:r>
-            <a:r>
-              <a:rPr lang="en-US" sz="1400" i="1" dirty="0"/>
-              <a:t>(String username, String password)</a:t>
-            </a:r>
-            <a:endParaRPr lang="ru-RU" sz="1400" i="1" dirty="0"/>
-          </a:p>
         </p:txBody>
       </p:sp>
       <p:sp>
@@ -3051,7 +3080,12 @@
             <p:ph type="title"/>
           </p:nvPr>
         </p:nvSpPr>
-        <p:spPr/>
+        <p:spPr>
+          <a:xfrm>
+            <a:off x="457200" y="213970"/>
+            <a:ext cx="8229600" cy="1143000"/>
+          </a:xfrm>
+        </p:spPr>
         <p:txBody>
           <a:bodyPr/>
           <a:lstStyle/>
@@ -3120,33 +3154,34 @@
               <a:buAutoNum type="arabicPeriod"/>
             </a:pPr>
             <a:r>
-              <a:rPr lang="ru-RU" sz="1400" dirty="0"/>
-              <a:t>Объявить </a:t>
-            </a:r>
-            <a:r>
-              <a:rPr lang="en-US" sz="1400" i="1" dirty="0"/>
-              <a:t>@Entity User</a:t>
-            </a:r>
-            <a:r>
-              <a:rPr lang="ru-RU" sz="1400" dirty="0"/>
-              <a:t>, имплементирующего </a:t>
-            </a:r>
-            <a:r>
-              <a:rPr lang="en-US" sz="1400" i="1" dirty="0" err="1"/>
+              <a:rPr lang="ru-RU" sz="1400" dirty="0" smtClean="0"/>
+              <a:t>Добавить классу </a:t>
+            </a:r>
+            <a:r>
+              <a:rPr lang="en-US" sz="1400" dirty="0" smtClean="0"/>
+              <a:t>User</a:t>
+            </a:r>
+            <a:r>
+              <a:rPr lang="ru-RU" sz="1400" dirty="0" smtClean="0"/>
+              <a:t> интерфейс</a:t>
+            </a:r>
+            <a:r>
+              <a:rPr lang="ru-RU" sz="1400" i="1" dirty="0" smtClean="0"/>
+              <a:t> </a:t>
+            </a:r>
+            <a:r>
+              <a:rPr lang="en-US" sz="1400" i="1" dirty="0" err="1" smtClean="0"/>
               <a:t>UserDetails</a:t>
             </a:r>
             <a:r>
-              <a:rPr lang="en-US" sz="1400" i="1" dirty="0"/>
-              <a:t> (</a:t>
-            </a:r>
-            <a:r>
-              <a:rPr lang="ru-RU" sz="1400" i="1" dirty="0"/>
-              <a:t>По аналогии с </a:t>
-            </a:r>
-            <a:r>
-              <a:rPr lang="en-US" sz="1400" i="1" dirty="0"/>
-              <a:t>Contract)</a:t>
-            </a:r>
+              <a:rPr lang="ru-RU" sz="1400" i="1" dirty="0" smtClean="0"/>
+              <a:t> </a:t>
+            </a:r>
+            <a:r>
+              <a:rPr lang="ru-RU" sz="1400" dirty="0" smtClean="0"/>
+              <a:t>и имплементировать его методы</a:t>
+            </a:r>
+            <a:endParaRPr lang="en-US" sz="1400" i="1" dirty="0"/>
           </a:p>
           <a:p>
             <a:pPr marL="457200" indent="-457200">
@@ -3154,38 +3189,54 @@
               <a:buAutoNum type="arabicPeriod"/>
             </a:pPr>
             <a:r>
-              <a:rPr lang="ru-RU" sz="1400" dirty="0"/>
+              <a:rPr lang="ru-RU" sz="1400" dirty="0" smtClean="0"/>
               <a:t>Объявить </a:t>
             </a:r>
             <a:r>
               <a:rPr lang="en-US" sz="1400" i="1" dirty="0"/>
-              <a:t>@Repository </a:t>
-            </a:r>
-            <a:r>
-              <a:rPr lang="en-US" sz="1400" i="1" dirty="0" err="1"/>
-              <a:t>UserRepository</a:t>
+              <a:t>@Service</a:t>
             </a:r>
             <a:r>
               <a:rPr lang="ru-RU" sz="1400" dirty="0"/>
               <a:t> </a:t>
             </a:r>
             <a:r>
-              <a:rPr lang="en-US" sz="1400" i="1" dirty="0" smtClean="0"/>
-              <a:t>(</a:t>
-            </a:r>
-            <a:r>
-              <a:rPr lang="ru-RU" sz="1400" i="1" dirty="0"/>
-              <a:t>По аналогии с </a:t>
-            </a:r>
-            <a:r>
               <a:rPr lang="en-US" sz="1400" i="1" dirty="0" err="1" smtClean="0"/>
-              <a:t>ContractRepository</a:t>
-            </a:r>
-            <a:r>
-              <a:rPr lang="en-US" sz="1400" i="1" dirty="0" smtClean="0"/>
-              <a:t>)</a:t>
-            </a:r>
-            <a:endParaRPr lang="ru-RU" sz="1400" i="1" dirty="0"/>
+              <a:t>CustomUserDetailsService</a:t>
+            </a:r>
+            <a:r>
+              <a:rPr lang="en-US" sz="1400" dirty="0" smtClean="0"/>
+              <a:t> </a:t>
+            </a:r>
+            <a:r>
+              <a:rPr lang="ru-RU" sz="1400" dirty="0"/>
+              <a:t>типа </a:t>
+            </a:r>
+            <a:r>
+              <a:rPr lang="en-US" sz="1400" i="1" dirty="0" err="1"/>
+              <a:t>UserDetailsService</a:t>
+            </a:r>
+            <a:r>
+              <a:rPr lang="en-US" sz="1400" dirty="0"/>
+              <a:t> </a:t>
+            </a:r>
+            <a:r>
+              <a:rPr lang="ru-RU" sz="1400" dirty="0"/>
+              <a:t>и имплементировать его </a:t>
+            </a:r>
+            <a:r>
+              <a:rPr lang="ru-RU" sz="1400" dirty="0" smtClean="0"/>
+              <a:t>метод, используя </a:t>
+            </a:r>
+            <a:r>
+              <a:rPr lang="en-US" sz="1400" i="1" dirty="0" err="1" smtClean="0"/>
+              <a:t>UserRepository</a:t>
+            </a:r>
+            <a:r>
+              <a:rPr lang="en-US" sz="1400" dirty="0" smtClean="0"/>
+              <a:t>.</a:t>
+            </a:r>
+            <a:endParaRPr lang="ru-RU" sz="1400" dirty="0" smtClean="0"/>
           </a:p>
           <a:p>
             <a:pPr marL="457200" indent="-457200">
@@ -3193,54 +3244,34 @@
               <a:buAutoNum type="arabicPeriod"/>
             </a:pPr>
             <a:r>
-              <a:rPr lang="ru-RU" sz="1400" dirty="0"/>
-              <a:t>Объявить </a:t>
-            </a:r>
-            <a:r>
-              <a:rPr lang="en-US" sz="1400" i="1" dirty="0"/>
-              <a:t>@Service</a:t>
-            </a:r>
-            <a:r>
-              <a:rPr lang="ru-RU" sz="1400" dirty="0"/>
+              <a:rPr lang="ru-RU" sz="1400" dirty="0" smtClean="0"/>
+              <a:t>В </a:t>
+            </a:r>
+            <a:r>
+              <a:rPr lang="en-US" sz="1400" i="1" dirty="0" err="1" smtClean="0"/>
+              <a:t>RestSecurityConfig</a:t>
+            </a:r>
+            <a:r>
+              <a:rPr lang="en-US" sz="1400" dirty="0" smtClean="0"/>
               <a:t> </a:t>
             </a:r>
             <a:r>
-              <a:rPr lang="en-US" sz="1400" i="1" dirty="0" err="1"/>
-              <a:t>CustomUserDetailsService</a:t>
-            </a:r>
-            <a:r>
-              <a:rPr lang="en-US" sz="1400" dirty="0"/>
-              <a:t> </a:t>
-            </a:r>
-            <a:r>
-              <a:rPr lang="ru-RU" sz="1400" dirty="0"/>
-              <a:t>типа </a:t>
-            </a:r>
-            <a:r>
-              <a:rPr lang="en-US" sz="1400" i="1" dirty="0" err="1"/>
+              <a:rPr lang="ru-RU" sz="1400" dirty="0" smtClean="0"/>
+              <a:t>настроить </a:t>
+            </a:r>
+            <a:r>
+              <a:rPr lang="en-US" sz="1400" i="1" dirty="0" err="1" smtClean="0"/>
+              <a:t>AuthenticationManager</a:t>
+            </a:r>
+            <a:r>
+              <a:rPr lang="ru-RU" sz="1400" dirty="0" smtClean="0"/>
+              <a:t> на использование </a:t>
+            </a:r>
+            <a:r>
+              <a:rPr lang="en-US" sz="1400" i="1" dirty="0" err="1" smtClean="0"/>
               <a:t>UserDetailsService</a:t>
             </a:r>
-            <a:r>
-              <a:rPr lang="en-US" sz="1400" dirty="0"/>
-              <a:t> </a:t>
-            </a:r>
-            <a:r>
-              <a:rPr lang="ru-RU" sz="1400" dirty="0"/>
-              <a:t>и имплементировать его </a:t>
-            </a:r>
-            <a:r>
-              <a:rPr lang="ru-RU" sz="1400" dirty="0" smtClean="0"/>
-              <a:t>метод, используя </a:t>
-            </a:r>
-            <a:r>
-              <a:rPr lang="en-US" sz="1400" dirty="0" err="1" smtClean="0"/>
-              <a:t>UserRepositiry</a:t>
-            </a:r>
-            <a:r>
-              <a:rPr lang="en-US" sz="1400" dirty="0" smtClean="0"/>
-              <a:t>.</a:t>
-            </a:r>
-            <a:endParaRPr lang="ru-RU" sz="1400" dirty="0" smtClean="0"/>
+            <a:endParaRPr lang="en-US" sz="1400" i="1" dirty="0" smtClean="0"/>
           </a:p>
           <a:p>
             <a:pPr marL="457200" indent="-457200">
@@ -3249,27 +3280,142 @@
             </a:pPr>
             <a:r>
               <a:rPr lang="ru-RU" sz="1400" dirty="0" smtClean="0"/>
-              <a:t>Переименовать </a:t>
+              <a:t>В </a:t>
             </a:r>
             <a:r>
               <a:rPr lang="en-US" sz="1400" i="1" dirty="0" err="1" smtClean="0"/>
-              <a:t>BasicSecurityConfig</a:t>
-            </a:r>
+              <a:t>RestSecurityConfig</a:t>
+            </a:r>
+            <a:r>
+              <a:rPr lang="ru-RU" sz="1400" dirty="0" smtClean="0"/>
+              <a:t> </a:t>
+            </a:r>
+            <a:r>
+              <a:rPr lang="ru-RU" sz="1400" dirty="0"/>
+              <a:t>сконфигурировать </a:t>
+            </a:r>
+            <a:r>
+              <a:rPr lang="en-US" sz="1400" i="1" dirty="0" err="1"/>
+              <a:t>HttpSecurity</a:t>
+            </a:r>
+            <a:endParaRPr lang="ru-RU" sz="1400" i="1" dirty="0"/>
+          </a:p>
+          <a:p>
+            <a:pPr marL="857250" lvl="1" indent="-457200"/>
+            <a:r>
+              <a:rPr lang="ru-RU" sz="1400" dirty="0"/>
+              <a:t>Задать базовую аутентификацию</a:t>
+            </a:r>
+          </a:p>
+          <a:p>
+            <a:pPr marL="857250" lvl="1" indent="-457200"/>
+            <a:r>
+              <a:rPr lang="ru-RU" sz="1400" dirty="0"/>
+              <a:t>Задать конфигурацию авторизации запросов с использованием </a:t>
+            </a:r>
+            <a:r>
+              <a:rPr lang="en-US" sz="1400" i="1" dirty="0" err="1" smtClean="0"/>
+              <a:t>mvcMatchers</a:t>
+            </a:r>
+            <a:r>
+              <a:rPr lang="ru-RU" sz="1400" dirty="0"/>
+              <a:t>:</a:t>
+            </a:r>
+          </a:p>
+          <a:p>
+            <a:pPr marL="1257300" lvl="2" indent="-457200"/>
             <a:r>
               <a:rPr lang="en-US" sz="1400" dirty="0" smtClean="0"/>
+              <a:t>GET </a:t>
+            </a:r>
+            <a:r>
+              <a:rPr lang="en-US" sz="1400" dirty="0"/>
+              <a:t>/contract </a:t>
+            </a:r>
+            <a:r>
+              <a:rPr lang="ru-RU" sz="1400" dirty="0"/>
+              <a:t>для </a:t>
+            </a:r>
+            <a:r>
+              <a:rPr lang="ru-RU" sz="1400" dirty="0" smtClean="0"/>
+              <a:t>ролей </a:t>
+            </a:r>
+            <a:r>
+              <a:rPr lang="en-US" sz="1400" dirty="0" smtClean="0"/>
+              <a:t>USER</a:t>
+            </a:r>
+            <a:r>
+              <a:rPr lang="ru-RU" sz="1400" dirty="0" smtClean="0"/>
+              <a:t> и </a:t>
+            </a:r>
+            <a:r>
+              <a:rPr lang="en-US" sz="1400" dirty="0" smtClean="0"/>
+              <a:t>SUPERUSER</a:t>
+            </a:r>
+          </a:p>
+          <a:p>
+            <a:pPr marL="1257300" lvl="2" indent="-457200"/>
+            <a:r>
+              <a:rPr lang="en-US" sz="1400" dirty="0"/>
+              <a:t>/contract</a:t>
+            </a:r>
+            <a:r>
+              <a:rPr lang="ru-RU" sz="1400" dirty="0"/>
+              <a:t> для роли </a:t>
+            </a:r>
+            <a:r>
+              <a:rPr lang="en-US" sz="1400" dirty="0" smtClean="0"/>
+              <a:t>SUPERUSER</a:t>
+            </a:r>
+          </a:p>
+          <a:p>
+            <a:pPr marL="1257300" lvl="2" indent="-457200"/>
+            <a:r>
+              <a:rPr lang="ru-RU" sz="1400" dirty="0" smtClean="0"/>
+              <a:t>Остальные </a:t>
+            </a:r>
+            <a:r>
+              <a:rPr lang="ru-RU" sz="1400" dirty="0"/>
+              <a:t>запросы запретить</a:t>
+            </a:r>
+            <a:r>
+              <a:rPr lang="en-US" sz="1400" dirty="0"/>
               <a:t> </a:t>
             </a:r>
-            <a:r>
-              <a:rPr lang="ru-RU" sz="1400" dirty="0" smtClean="0"/>
-              <a:t>в </a:t>
-            </a:r>
-            <a:r>
-              <a:rPr lang="en-US" sz="1400" i="1" dirty="0" err="1" smtClean="0"/>
-              <a:t>CustomSecurityConfig</a:t>
-            </a:r>
-            <a:r>
-              <a:rPr lang="ru-RU" sz="1400" dirty="0" smtClean="0"/>
-              <a:t>.</a:t>
+          </a:p>
+          <a:p>
+            <a:pPr marL="857250" lvl="1" indent="-457200"/>
+            <a:r>
+              <a:rPr lang="ru-RU" sz="1400" dirty="0"/>
+              <a:t>И через </a:t>
+            </a:r>
+            <a:r>
+              <a:rPr lang="en-US" sz="1400" i="1" dirty="0" err="1"/>
+              <a:t>sessionManagement</a:t>
+            </a:r>
+            <a:r>
+              <a:rPr lang="en-US" sz="1400" i="1" dirty="0"/>
+              <a:t>() </a:t>
+            </a:r>
+            <a:r>
+              <a:rPr lang="ru-RU" sz="1400" dirty="0"/>
+              <a:t>присвоить сессиям статус </a:t>
+            </a:r>
+            <a:r>
+              <a:rPr lang="en-US" sz="1400" i="1" dirty="0" err="1"/>
+              <a:t>SessionCreationPolicy.STATELESS</a:t>
+            </a:r>
+            <a:endParaRPr lang="en-US" sz="1400" i="1" dirty="0"/>
+          </a:p>
+          <a:p>
+            <a:pPr marL="857250" lvl="1" indent="-457200"/>
+            <a:r>
+              <a:rPr lang="ru-RU" sz="1400" dirty="0"/>
+              <a:t>И отключить </a:t>
+            </a:r>
+            <a:r>
+              <a:rPr lang="en-US" sz="1400" dirty="0" err="1" smtClean="0"/>
+              <a:t>csrf</a:t>
             </a:r>
             <a:endParaRPr lang="ru-RU" sz="1400" dirty="0"/>
           </a:p>
@@ -3280,21 +3426,65 @@
             </a:pPr>
             <a:r>
               <a:rPr lang="ru-RU" sz="1400" dirty="0" smtClean="0"/>
-              <a:t>Перенастроить </a:t>
+              <a:t>Добавить </a:t>
+            </a:r>
+            <a:r>
+              <a:rPr lang="en-US" sz="1400" i="1" dirty="0" smtClean="0"/>
+              <a:t>@</a:t>
             </a:r>
             <a:r>
               <a:rPr lang="en-US" sz="1400" i="1" dirty="0" err="1" smtClean="0"/>
-              <a:t>AuthenticationManager</a:t>
+              <a:t>RestController</a:t>
+            </a:r>
+            <a:r>
+              <a:rPr lang="en-US" sz="1400" dirty="0" smtClean="0"/>
+              <a:t> </a:t>
+            </a:r>
+            <a:r>
+              <a:rPr lang="en-US" sz="1400" i="1" dirty="0" err="1" smtClean="0"/>
+              <a:t>UserController</a:t>
             </a:r>
             <a:r>
               <a:rPr lang="ru-RU" sz="1400" dirty="0" smtClean="0"/>
-              <a:t> на использование </a:t>
+              <a:t> с одним методом </a:t>
+            </a:r>
+            <a:r>
+              <a:rPr lang="en-US" sz="1400" i="1" dirty="0" smtClean="0"/>
+              <a:t>POST /user</a:t>
+            </a:r>
+            <a:r>
+              <a:rPr lang="ru-RU" sz="1400" dirty="0" smtClean="0"/>
+              <a:t> и через </a:t>
             </a:r>
             <a:r>
               <a:rPr lang="en-US" sz="1400" i="1" dirty="0" err="1" smtClean="0"/>
-              <a:t>UserDetailsService</a:t>
-            </a:r>
-            <a:endParaRPr lang="en-US" sz="1400" i="1" dirty="0" smtClean="0"/>
+              <a:t>mvcMatchers</a:t>
+            </a:r>
+            <a:r>
+              <a:rPr lang="ru-RU" sz="1400" dirty="0" smtClean="0"/>
+              <a:t> в </a:t>
+            </a:r>
+            <a:r>
+              <a:rPr lang="en-US" sz="1400" i="1" dirty="0" err="1" smtClean="0"/>
+              <a:t>RestSecurityConfig</a:t>
+            </a:r>
+            <a:r>
+              <a:rPr lang="ru-RU" sz="1400" dirty="0" smtClean="0"/>
+              <a:t> задать по этому пути конфигурацию </a:t>
+            </a:r>
+            <a:r>
+              <a:rPr lang="en-US" sz="1400" i="1" dirty="0" err="1" smtClean="0"/>
+              <a:t>permitAll</a:t>
+            </a:r>
+            <a:r>
+              <a:rPr lang="en-US" sz="1400" i="1" dirty="0" smtClean="0"/>
+              <a:t>()</a:t>
+            </a:r>
+            <a:r>
+              <a:rPr lang="en-US" sz="1400" dirty="0" smtClean="0"/>
+              <a:t>.</a:t>
+            </a:r>
+            <a:endParaRPr lang="ru-RU" sz="1400" dirty="0" smtClean="0"/>
           </a:p>
           <a:p>
             <a:pPr marL="457200" indent="-457200">
@@ -3303,239 +3493,10 @@
             </a:pPr>
             <a:r>
               <a:rPr lang="ru-RU" sz="1400" dirty="0" smtClean="0"/>
-              <a:t>Вынести </a:t>
-            </a:r>
-            <a:r>
-              <a:rPr lang="en-US" sz="1400" i="1" dirty="0" err="1" smtClean="0"/>
-              <a:t>PasswordEncoder</a:t>
-            </a:r>
-            <a:r>
-              <a:rPr lang="en-US" sz="1400" dirty="0" smtClean="0"/>
-              <a:t> </a:t>
-            </a:r>
-            <a:r>
-              <a:rPr lang="ru-RU" sz="1400" dirty="0" smtClean="0"/>
-              <a:t>в бин</a:t>
-            </a:r>
-            <a:endParaRPr lang="en-US" sz="1400" dirty="0" smtClean="0"/>
-          </a:p>
-          <a:p>
-            <a:pPr marL="457200" indent="-457200">
-              <a:buFont typeface="+mj-lt"/>
-              <a:buAutoNum type="arabicPeriod"/>
-            </a:pPr>
-            <a:r>
-              <a:rPr lang="ru-RU" sz="1400" dirty="0" smtClean="0"/>
-              <a:t>В </a:t>
-            </a:r>
-            <a:r>
-              <a:rPr lang="en-US" sz="1400" i="1" dirty="0" err="1" smtClean="0"/>
-              <a:t>CustomSecurityConfig</a:t>
-            </a:r>
-            <a:r>
-              <a:rPr lang="ru-RU" sz="1400" dirty="0" smtClean="0"/>
-              <a:t> </a:t>
-            </a:r>
-            <a:r>
-              <a:rPr lang="ru-RU" sz="1400" dirty="0"/>
-              <a:t>сконфигурировать </a:t>
-            </a:r>
-            <a:r>
-              <a:rPr lang="en-US" sz="1400" i="1" dirty="0" err="1"/>
-              <a:t>HttpSecurity</a:t>
-            </a:r>
-            <a:endParaRPr lang="ru-RU" sz="1400" i="1" dirty="0"/>
-          </a:p>
-          <a:p>
-            <a:pPr marL="857250" lvl="1" indent="-457200"/>
-            <a:r>
-              <a:rPr lang="ru-RU" sz="1400" dirty="0"/>
-              <a:t>Задать базовую аутентификацию</a:t>
-            </a:r>
-          </a:p>
-          <a:p>
-            <a:pPr marL="857250" lvl="1" indent="-457200"/>
-            <a:r>
-              <a:rPr lang="ru-RU" sz="1400" dirty="0"/>
-              <a:t>Задать конфигурацию авторизации запросов с использованием </a:t>
-            </a:r>
-            <a:r>
-              <a:rPr lang="en-US" sz="1400" i="1" dirty="0" err="1" smtClean="0"/>
-              <a:t>mvcMatchers</a:t>
-            </a:r>
-            <a:r>
-              <a:rPr lang="ru-RU" sz="1400" dirty="0"/>
-              <a:t>:</a:t>
-            </a:r>
-          </a:p>
-          <a:p>
-            <a:pPr marL="1257300" lvl="2" indent="-457200"/>
-            <a:r>
-              <a:rPr lang="en-US" sz="1400" dirty="0"/>
-              <a:t>POST /contract</a:t>
-            </a:r>
-            <a:r>
-              <a:rPr lang="ru-RU" sz="1400" dirty="0"/>
-              <a:t> для роли </a:t>
-            </a:r>
-            <a:r>
-              <a:rPr lang="en-US" sz="1400" dirty="0"/>
-              <a:t>SUPERUSER</a:t>
-            </a:r>
-          </a:p>
-          <a:p>
-            <a:pPr marL="1257300" lvl="2" indent="-457200"/>
-            <a:r>
-              <a:rPr lang="en-US" sz="1400" dirty="0"/>
-              <a:t>DELETE /</a:t>
-            </a:r>
-            <a:r>
-              <a:rPr lang="en-US" sz="1400" dirty="0" smtClean="0"/>
-              <a:t>contract</a:t>
-            </a:r>
-            <a:r>
-              <a:rPr lang="ru-RU" sz="1400" dirty="0" smtClean="0"/>
-              <a:t> </a:t>
-            </a:r>
-            <a:r>
-              <a:rPr lang="ru-RU" sz="1400" dirty="0"/>
-              <a:t>для роли </a:t>
-            </a:r>
-            <a:r>
-              <a:rPr lang="en-US" sz="1400" dirty="0"/>
-              <a:t>SUPERUSER</a:t>
-            </a:r>
-          </a:p>
-          <a:p>
-            <a:pPr marL="1257300" lvl="2" indent="-457200"/>
-            <a:r>
-              <a:rPr lang="en-US" sz="1400" dirty="0"/>
-              <a:t>GET /contract </a:t>
-            </a:r>
-            <a:r>
-              <a:rPr lang="ru-RU" sz="1400" dirty="0"/>
-              <a:t>для обоих ролей</a:t>
-            </a:r>
-          </a:p>
-          <a:p>
-            <a:pPr marL="1257300" lvl="2" indent="-457200"/>
-            <a:r>
-              <a:rPr lang="ru-RU" sz="1400" dirty="0" smtClean="0"/>
-              <a:t>Остальные </a:t>
-            </a:r>
-            <a:r>
-              <a:rPr lang="ru-RU" sz="1400" dirty="0"/>
-              <a:t>запросы запретить</a:t>
-            </a:r>
-            <a:r>
-              <a:rPr lang="en-US" sz="1400" dirty="0"/>
-              <a:t> </a:t>
-            </a:r>
-          </a:p>
-          <a:p>
-            <a:pPr marL="857250" lvl="1" indent="-457200"/>
-            <a:r>
-              <a:rPr lang="ru-RU" sz="1400" dirty="0"/>
-              <a:t>И через </a:t>
-            </a:r>
-            <a:r>
-              <a:rPr lang="en-US" sz="1400" i="1" dirty="0" err="1"/>
-              <a:t>sessionManagement</a:t>
-            </a:r>
-            <a:r>
-              <a:rPr lang="en-US" sz="1400" i="1" dirty="0"/>
-              <a:t>() </a:t>
-            </a:r>
-            <a:r>
-              <a:rPr lang="ru-RU" sz="1400" dirty="0"/>
-              <a:t>присвоить сессиям статус </a:t>
-            </a:r>
-            <a:r>
-              <a:rPr lang="en-US" sz="1400" i="1" dirty="0" err="1"/>
-              <a:t>SessionCreationPolicy.STATELESS</a:t>
-            </a:r>
-            <a:endParaRPr lang="en-US" sz="1400" i="1" dirty="0"/>
-          </a:p>
-          <a:p>
-            <a:pPr marL="857250" lvl="1" indent="-457200"/>
-            <a:r>
-              <a:rPr lang="ru-RU" sz="1400" dirty="0"/>
-              <a:t>И отключить </a:t>
-            </a:r>
-            <a:r>
-              <a:rPr lang="en-US" sz="1400" dirty="0" err="1" smtClean="0"/>
-              <a:t>csrf</a:t>
+              <a:t>Тесты должны проходить</a:t>
             </a:r>
             <a:endParaRPr lang="ru-RU" sz="1400" dirty="0"/>
           </a:p>
-          <a:p>
-            <a:pPr marL="457200" indent="-457200"/>
-            <a:r>
-              <a:rPr lang="ru-RU" sz="1400" dirty="0" smtClean="0"/>
-              <a:t>Добавить </a:t>
-            </a:r>
-            <a:r>
-              <a:rPr lang="en-US" sz="1400" i="1" dirty="0" smtClean="0"/>
-              <a:t>@</a:t>
-            </a:r>
-            <a:r>
-              <a:rPr lang="en-US" sz="1400" i="1" dirty="0" err="1" smtClean="0"/>
-              <a:t>RestController</a:t>
-            </a:r>
-            <a:r>
-              <a:rPr lang="en-US" sz="1400" dirty="0" smtClean="0"/>
-              <a:t> </a:t>
-            </a:r>
-            <a:r>
-              <a:rPr lang="en-US" sz="1400" i="1" dirty="0" err="1" smtClean="0"/>
-              <a:t>UserController</a:t>
-            </a:r>
-            <a:r>
-              <a:rPr lang="ru-RU" sz="1400" dirty="0" smtClean="0"/>
-              <a:t> </a:t>
-            </a:r>
-            <a:r>
-              <a:rPr lang="ru-RU" sz="1400" dirty="0" smtClean="0"/>
-              <a:t>с одним методом </a:t>
-            </a:r>
-            <a:r>
-              <a:rPr lang="en-US" sz="1400" i="1" dirty="0" smtClean="0"/>
-              <a:t>POST /user</a:t>
-            </a:r>
-            <a:r>
-              <a:rPr lang="ru-RU" sz="1400" dirty="0" smtClean="0"/>
-              <a:t> и через </a:t>
-            </a:r>
-            <a:r>
-              <a:rPr lang="en-US" sz="1400" i="1" dirty="0" err="1" smtClean="0"/>
-              <a:t>mvcMatchers</a:t>
-            </a:r>
-            <a:r>
-              <a:rPr lang="ru-RU" sz="1400" dirty="0" smtClean="0"/>
-              <a:t> в </a:t>
-            </a:r>
-            <a:r>
-              <a:rPr lang="en-US" sz="1400" i="1" dirty="0" err="1" smtClean="0"/>
-              <a:t>CustomSecurityConfig</a:t>
-            </a:r>
-            <a:r>
-              <a:rPr lang="ru-RU" sz="1400" dirty="0" smtClean="0"/>
-              <a:t> задать по этому пути конфигурацию </a:t>
-            </a:r>
-            <a:r>
-              <a:rPr lang="en-US" sz="1400" i="1" dirty="0" err="1" smtClean="0"/>
-              <a:t>permitAll</a:t>
-            </a:r>
-            <a:r>
-              <a:rPr lang="en-US" sz="1400" i="1" dirty="0" smtClean="0"/>
-              <a:t>()</a:t>
-            </a:r>
-            <a:r>
-              <a:rPr lang="en-US" sz="1400" dirty="0" smtClean="0"/>
-              <a:t>.</a:t>
-            </a:r>
-            <a:endParaRPr lang="ru-RU" sz="1400" dirty="0"/>
-          </a:p>
         </p:txBody>
       </p:sp>
       <p:sp>
@@ -3548,7 +3509,12 @@
             <p:ph type="title"/>
           </p:nvPr>
         </p:nvSpPr>
-        <p:spPr/>
+        <p:spPr>
+          <a:xfrm>
+            <a:off x="457200" y="186261"/>
+            <a:ext cx="8229600" cy="1143000"/>
+          </a:xfrm>
+        </p:spPr>
         <p:txBody>
           <a:bodyPr/>
           <a:lstStyle/>
@@ -3564,22 +3530,6 @@
             <a:r>
               <a:rPr lang="en-US" dirty="0" err="1" smtClean="0"/>
               <a:t>auth</a:t>
-            </a:r>
-            <a:r>
-              <a:rPr lang="ru-RU" dirty="0" smtClean="0"/>
-              <a:t> (на основе </a:t>
-            </a:r>
-            <a:r>
-              <a:rPr lang="en-US" dirty="0" smtClean="0"/>
-              <a:t>basic </a:t>
-            </a:r>
-            <a:r>
-              <a:rPr lang="en-US" dirty="0" err="1" smtClean="0"/>
-              <a:t>auth</a:t>
-            </a:r>
-            <a:r>
-              <a:rPr lang="ru-RU" dirty="0" smtClean="0"/>
-              <a:t>)</a:t>
             </a:r>
             <a:endParaRPr lang="en-US" dirty="0"/>
           </a:p>
@@ -3628,7 +3578,7 @@
         <p:spPr>
           <a:xfrm>
             <a:off x="179512" y="1412776"/>
-            <a:ext cx="8784976" cy="5256584"/>
+            <a:ext cx="8784976" cy="5445224"/>
           </a:xfrm>
         </p:spPr>
         <p:txBody>
@@ -3643,36 +3593,162 @@
             </a:pPr>
             <a:r>
               <a:rPr lang="ru-RU" sz="1200" dirty="0" smtClean="0"/>
-              <a:t>Переименовать </a:t>
+              <a:t>Создать </a:t>
             </a:r>
             <a:r>
               <a:rPr lang="en-US" sz="1200" i="1" dirty="0" err="1"/>
-              <a:t>CustomSecurityConfig</a:t>
+              <a:t>JwtAuthenticationFilter</a:t>
+            </a:r>
+            <a:r>
+              <a:rPr lang="en-US" sz="1200" dirty="0"/>
+              <a:t> </a:t>
+            </a:r>
+            <a:r>
+              <a:rPr lang="ru-RU" sz="1200" dirty="0" smtClean="0"/>
+              <a:t>расширяющий</a:t>
             </a:r>
             <a:r>
               <a:rPr lang="en-US" sz="1200" dirty="0" smtClean="0"/>
               <a:t> </a:t>
             </a:r>
             <a:r>
+              <a:rPr lang="en-US" sz="1200" i="1" dirty="0" err="1" smtClean="0"/>
+              <a:t>UsernamePasswordAuthenticationFilter</a:t>
+            </a:r>
+            <a:endParaRPr lang="ru-RU" sz="1200" i="1" dirty="0" smtClean="0"/>
+          </a:p>
+          <a:p>
+            <a:pPr marL="857250" lvl="1" indent="-457200"/>
+            <a:r>
               <a:rPr lang="ru-RU" sz="1200" dirty="0" smtClean="0"/>
-              <a:t>в</a:t>
+              <a:t>Добавить в конструктор функцию создания </a:t>
+            </a:r>
+            <a:r>
+              <a:rPr lang="ru-RU" sz="1200" dirty="0" err="1" smtClean="0"/>
+              <a:t>токена</a:t>
+            </a:r>
+            <a:r>
+              <a:rPr lang="ru-RU" sz="1200" dirty="0" smtClean="0"/>
+              <a:t> </a:t>
+            </a:r>
+            <a:r>
+              <a:rPr lang="en-US" sz="1200" i="1" dirty="0" smtClean="0"/>
+              <a:t>Function&lt;</a:t>
+            </a:r>
+            <a:r>
+              <a:rPr lang="en-US" sz="1200" i="1" dirty="0" err="1" smtClean="0"/>
+              <a:t>UserDetails</a:t>
+            </a:r>
+            <a:r>
+              <a:rPr lang="en-US" sz="1200" i="1" dirty="0"/>
+              <a:t>, String&gt; </a:t>
+            </a:r>
+            <a:r>
+              <a:rPr lang="en-US" sz="1200" i="1" dirty="0" err="1"/>
+              <a:t>createJwtTokenFunction</a:t>
+            </a:r>
+            <a:r>
+              <a:rPr lang="en-US" sz="1200" i="1" dirty="0" smtClean="0"/>
+              <a:t> </a:t>
+            </a:r>
+          </a:p>
+          <a:p>
+            <a:pPr marL="857250" lvl="1" indent="-457200"/>
+            <a:r>
+              <a:rPr lang="ru-RU" sz="1200" dirty="0"/>
+              <a:t>Переопределить метод </a:t>
+            </a:r>
+            <a:r>
+              <a:rPr lang="en-US" sz="1200" i="1" dirty="0" err="1"/>
+              <a:t>attemptAuthentication</a:t>
+            </a:r>
+            <a:r>
+              <a:rPr lang="en-US" sz="1200" i="1" dirty="0"/>
+              <a:t> </a:t>
+            </a:r>
+            <a:endParaRPr lang="ru-RU" sz="1200" i="1" dirty="0"/>
+          </a:p>
+          <a:p>
+            <a:pPr marL="1257300" lvl="2" indent="-457200"/>
+            <a:r>
+              <a:rPr lang="ru-RU" sz="1200" dirty="0" smtClean="0"/>
+              <a:t>Вернуть из метода результат работы функции</a:t>
+            </a:r>
+            <a:br>
+              <a:rPr lang="ru-RU" sz="1200" dirty="0" smtClean="0"/>
+            </a:br>
+            <a:r>
+              <a:rPr lang="en-US" sz="1200" i="1" dirty="0" err="1" smtClean="0"/>
+              <a:t>authenticationManager.authenticate</a:t>
+            </a:r>
+            <a:r>
+              <a:rPr lang="en-US" sz="1200" i="1" dirty="0" smtClean="0"/>
+              <a:t>(new </a:t>
+            </a:r>
+            <a:r>
+              <a:rPr lang="en-US" sz="1200" i="1" dirty="0" err="1" smtClean="0"/>
+              <a:t>UsernamePasswordAuthenticationToken</a:t>
+            </a:r>
+            <a:endParaRPr lang="ru-RU" sz="1200" i="1" dirty="0" smtClean="0"/>
+          </a:p>
+          <a:p>
+            <a:pPr marL="857250" lvl="1" indent="-457200"/>
+            <a:r>
+              <a:rPr lang="ru-RU" sz="1200" dirty="0" smtClean="0"/>
+              <a:t>Переопределить метод </a:t>
+            </a:r>
+            <a:r>
+              <a:rPr lang="en-US" sz="1200" i="1" dirty="0" err="1" smtClean="0"/>
+              <a:t>successfulAuthentication</a:t>
+            </a:r>
+            <a:r>
+              <a:rPr lang="ru-RU" sz="1200" dirty="0" smtClean="0"/>
+              <a:t> </a:t>
+            </a:r>
+          </a:p>
+          <a:p>
+            <a:pPr marL="1257300" lvl="2" indent="-457200"/>
+            <a:r>
+              <a:rPr lang="ru-RU" sz="1200" dirty="0" smtClean="0"/>
+              <a:t>Добавить в </a:t>
             </a:r>
             <a:r>
               <a:rPr lang="en-US" sz="1200" dirty="0" smtClean="0"/>
-              <a:t> </a:t>
-            </a:r>
-            <a:r>
-              <a:rPr lang="en-US" sz="1200" i="1" dirty="0" err="1" smtClean="0"/>
-              <a:t>Jwt</a:t>
-            </a:r>
-            <a:r>
-              <a:rPr lang="en-US" sz="1200" i="1" dirty="0" err="1" smtClean="0"/>
-              <a:t>SecurityConfig</a:t>
+              <a:t>Header </a:t>
             </a:r>
             <a:r>
               <a:rPr lang="ru-RU" sz="1200" dirty="0" smtClean="0"/>
-              <a:t>.</a:t>
-            </a:r>
+              <a:t>ответа </a:t>
+            </a:r>
+            <a:r>
+              <a:rPr lang="en-US" sz="1200" i="1" dirty="0"/>
+              <a:t>"</a:t>
+            </a:r>
+            <a:r>
+              <a:rPr lang="en-US" sz="1200" i="1" dirty="0" smtClean="0"/>
+              <a:t>Authorization"</a:t>
+            </a:r>
+            <a:r>
+              <a:rPr lang="en-US" sz="1200" dirty="0" smtClean="0"/>
+              <a:t>  </a:t>
+            </a:r>
+            <a:r>
+              <a:rPr lang="ru-RU" sz="1200" dirty="0" err="1" smtClean="0"/>
+              <a:t>токен</a:t>
+            </a:r>
+            <a:r>
+              <a:rPr lang="ru-RU" sz="1200" dirty="0" smtClean="0"/>
+              <a:t>, полученный из </a:t>
+            </a:r>
+            <a:r>
+              <a:rPr lang="en-US" sz="1200" i="1" dirty="0" err="1"/>
+              <a:t>auth.getPrincipal</a:t>
+            </a:r>
+            <a:r>
+              <a:rPr lang="en-US" sz="1200" i="1" dirty="0" smtClean="0"/>
+              <a:t>()</a:t>
+            </a:r>
+            <a:endParaRPr lang="ru-RU" sz="1200" i="1" dirty="0" smtClean="0"/>
           </a:p>
           <a:p>
             <a:pPr marL="457200" indent="-457200">
@@ -3685,7 +3761,7 @@
             </a:r>
             <a:r>
               <a:rPr lang="en-US" sz="1200" i="1" dirty="0" err="1"/>
-              <a:t>JwtAuthenticationFilter</a:t>
+              <a:t>JwtAuthorizationFilter</a:t>
             </a:r>
             <a:r>
               <a:rPr lang="en-US" sz="1200" dirty="0"/>
@@ -3701,7 +3777,7 @@
             </a:r>
             <a:r>
               <a:rPr lang="en-US" sz="1200" i="1" dirty="0" err="1" smtClean="0"/>
-              <a:t>UsernamePasswordAuthenticationFilter</a:t>
+              <a:t>BasicAuthenticationFilter</a:t>
             </a:r>
             <a:endParaRPr lang="ru-RU" sz="1200" i="1" dirty="0" smtClean="0"/>
           </a:p>
@@ -3709,7 +3785,7 @@
             <a:pPr marL="857250" lvl="1" indent="-457200"/>
             <a:r>
               <a:rPr lang="ru-RU" sz="1200" dirty="0" smtClean="0"/>
-              <a:t>Добавить в конструктор функцию создания </a:t>
+              <a:t>Добавить в конструктор функцию разбора </a:t>
             </a:r>
             <a:r>
               <a:rPr lang="ru-RU" sz="1200" dirty="0" err="1" smtClean="0"/>
@@ -3721,24 +3797,25 @@
             </a:r>
             <a:r>
               <a:rPr lang="en-US" sz="1200" i="1" dirty="0" smtClean="0"/>
-              <a:t>Function&lt;</a:t>
-            </a:r>
-            <a:r>
-              <a:rPr lang="en-US" sz="1200" i="1" dirty="0" err="1" smtClean="0"/>
+              <a:t>Function&lt;String</a:t>
+            </a:r>
+            <a:r>
+              <a:rPr lang="en-US" sz="1200" i="1" dirty="0"/>
+              <a:t>, </a:t>
+            </a:r>
+            <a:r>
+              <a:rPr lang="en-US" sz="1200" i="1" dirty="0" err="1"/>
               <a:t>UserDetails</a:t>
             </a:r>
             <a:r>
               <a:rPr lang="en-US" sz="1200" i="1" dirty="0"/>
-              <a:t>, String&gt; </a:t>
+              <a:t>&gt; </a:t>
             </a:r>
             <a:r>
               <a:rPr lang="en-US" sz="1200" i="1" dirty="0" err="1"/>
-              <a:t>createJwtTokenFunction</a:t>
-            </a:r>
-            <a:r>
-              <a:rPr lang="en-US" sz="1200" i="1" dirty="0" smtClean="0"/>
-              <a:t> </a:t>
-            </a:r>
+              <a:t>parseJwtTokenFunction</a:t>
+            </a:r>
+            <a:endParaRPr lang="ru-RU" sz="1200" i="1" dirty="0" smtClean="0"/>
           </a:p>
           <a:p>
             <a:pPr marL="857250" lvl="1" indent="-457200"/>
@@ -3748,7 +3825,7 @@
             </a:r>
             <a:r>
               <a:rPr lang="en-US" sz="1200" i="1" dirty="0" err="1"/>
-              <a:t>attemptAuthentication</a:t>
+              <a:t>doFilterInternal</a:t>
             </a:r>
             <a:r>
               <a:rPr lang="en-US" sz="1200" i="1" dirty="0"/>
@@ -3760,65 +3837,55 @@
             <a:pPr marL="1257300" lvl="2" indent="-457200"/>
             <a:r>
               <a:rPr lang="ru-RU" sz="1200" dirty="0" smtClean="0"/>
-              <a:t>Вернуть из метода результат работы функции</a:t>
-            </a:r>
-            <a:br>
+              <a:t>Получить </a:t>
+            </a:r>
+            <a:r>
+              <a:rPr lang="ru-RU" sz="1200" dirty="0" err="1" smtClean="0"/>
+              <a:t>токен</a:t>
+            </a:r>
+            <a:r>
               <a:rPr lang="ru-RU" sz="1200" dirty="0" smtClean="0"/>
-            </a:br>
-            <a:r>
-              <a:rPr lang="en-US" sz="1200" i="1" dirty="0" err="1" smtClean="0"/>
-              <a:t>authenticationManager.authenticate</a:t>
-            </a:r>
-            <a:r>
-              <a:rPr lang="en-US" sz="1200" i="1" dirty="0" smtClean="0"/>
-              <a:t>(new </a:t>
-            </a:r>
-            <a:r>
-              <a:rPr lang="en-US" sz="1200" i="1" dirty="0" err="1" smtClean="0"/>
-              <a:t>UsernamePasswordAuthenticationToken</a:t>
-            </a:r>
-            <a:endParaRPr lang="ru-RU" sz="1200" i="1" dirty="0" smtClean="0"/>
-          </a:p>
-          <a:p>
-            <a:pPr marL="857250" lvl="1" indent="-457200"/>
-            <a:r>
-              <a:rPr lang="ru-RU" sz="1200" dirty="0" smtClean="0"/>
-              <a:t>Переопределить метод </a:t>
-            </a:r>
-            <a:r>
-              <a:rPr lang="en-US" sz="1200" i="1" dirty="0" err="1" smtClean="0"/>
-              <a:t>successfulAuthentication</a:t>
+              <a:t> из </a:t>
+            </a:r>
+            <a:r>
+              <a:rPr lang="en-US" sz="1200" dirty="0" smtClean="0"/>
+              <a:t>Header</a:t>
             </a:r>
             <a:r>
               <a:rPr lang="ru-RU" sz="1200" dirty="0" smtClean="0"/>
               <a:t> </a:t>
             </a:r>
+            <a:r>
+              <a:rPr lang="en-US" sz="1200" i="1" dirty="0"/>
+              <a:t>"Authorization"</a:t>
+            </a:r>
+            <a:r>
+              <a:rPr lang="en-US" sz="1200" dirty="0"/>
+              <a:t> </a:t>
+            </a:r>
+            <a:endParaRPr lang="ru-RU" sz="1200" dirty="0" smtClean="0"/>
           </a:p>
           <a:p>
             <a:pPr marL="1257300" lvl="2" indent="-457200"/>
             <a:r>
+              <a:rPr lang="ru-RU" sz="1200" dirty="0" err="1" smtClean="0"/>
+              <a:t>Распарсить</a:t>
+            </a:r>
+            <a:r>
               <a:rPr lang="ru-RU" sz="1200" dirty="0" smtClean="0"/>
-              <a:t>Добавить в </a:t>
-            </a:r>
-            <a:r>
-              <a:rPr lang="en-US" sz="1200" dirty="0" smtClean="0"/>
-              <a:t>Header </a:t>
-            </a:r>
+              <a:t> его и получить объект типа </a:t>
+            </a:r>
+            <a:r>
+              <a:rPr lang="en-US" sz="1200" dirty="0" err="1" smtClean="0"/>
+              <a:t>UserDetails</a:t>
+            </a:r>
+            <a:endParaRPr lang="ru-RU" sz="1200" dirty="0" smtClean="0"/>
+          </a:p>
+          <a:p>
+            <a:pPr marL="1257300" lvl="2" indent="-457200"/>
             <a:r>
               <a:rPr lang="ru-RU" sz="1200" dirty="0" smtClean="0"/>
-              <a:t>ответа </a:t>
-            </a:r>
-            <a:r>
-              <a:rPr lang="en-US" sz="1200" i="1" dirty="0"/>
-              <a:t>"</a:t>
-            </a:r>
-            <a:r>
-              <a:rPr lang="en-US" sz="1200" i="1" dirty="0" smtClean="0"/>
-              <a:t>Authorization"</a:t>
-            </a:r>
-            <a:r>
-              <a:rPr lang="en-US" sz="1200" dirty="0" smtClean="0"/>
-              <a:t>  </a:t>
+              <a:t>Положить </a:t>
             </a:r>
             <a:r>
               <a:rPr lang="ru-RU" sz="1200" dirty="0" err="1" smtClean="0"/>
@@ -3826,15 +3893,61 @@
             </a:r>
             <a:r>
               <a:rPr lang="ru-RU" sz="1200" dirty="0" smtClean="0"/>
-              <a:t>, полученный из </a:t>
-            </a:r>
+              <a:t> в контекст </a:t>
+            </a:r>
+            <a:r>
+              <a:rPr lang="en-US" sz="1200" dirty="0"/>
+              <a:t>Spring Security:</a:t>
+            </a:r>
+            <a:br>
+              <a:rPr lang="en-US" sz="1200" dirty="0"/>
+            </a:br>
             <a:r>
               <a:rPr lang="en-US" sz="1200" i="1" dirty="0" err="1"/>
-              <a:t>auth.getPrincipal</a:t>
+              <a:t>SecurityContextHolder.getContext</a:t>
+            </a:r>
+            <a:r>
+              <a:rPr lang="en-US" sz="1200" i="1" dirty="0"/>
+              <a:t>().</a:t>
+            </a:r>
+            <a:r>
+              <a:rPr lang="en-US" sz="1200" i="1" dirty="0" err="1"/>
+              <a:t>setAuthentication</a:t>
             </a:r>
             <a:r>
               <a:rPr lang="en-US" sz="1200" i="1" dirty="0" smtClean="0"/>
-              <a:t>()</a:t>
+              <a:t>(</a:t>
+            </a:r>
+            <a:br>
+              <a:rPr lang="en-US" sz="1200" i="1" dirty="0" smtClean="0"/>
+            </a:br>
+            <a:r>
+              <a:rPr lang="en-US" sz="1200" i="1" dirty="0" smtClean="0"/>
+              <a:t>new </a:t>
+            </a:r>
+            <a:r>
+              <a:rPr lang="en-US" sz="1200" i="1" dirty="0" err="1"/>
+              <a:t>UsernamePasswordAuthenticationToken</a:t>
+            </a:r>
+            <a:r>
+              <a:rPr lang="en-US" sz="1200" i="1" dirty="0"/>
+              <a:t>(</a:t>
+            </a:r>
+            <a:r>
+              <a:rPr lang="en-US" sz="1200" i="1" dirty="0" err="1"/>
+              <a:t>userDetails</a:t>
+            </a:r>
+            <a:r>
+              <a:rPr lang="en-US" sz="1200" i="1" dirty="0"/>
+              <a:t>, null, </a:t>
+            </a:r>
+            <a:r>
+              <a:rPr lang="en-US" sz="1200" i="1" dirty="0" err="1"/>
+              <a:t>userDetails.getAuthorities</a:t>
+            </a:r>
+            <a:r>
+              <a:rPr lang="en-US" sz="1200" i="1" dirty="0" smtClean="0"/>
+              <a:t>()));</a:t>
             </a:r>
             <a:endParaRPr lang="ru-RU" sz="1200" i="1" dirty="0" smtClean="0"/>
           </a:p>
@@ -3845,51 +3958,235 @@
             </a:pPr>
             <a:r>
               <a:rPr lang="ru-RU" sz="1200" dirty="0" smtClean="0"/>
-              <a:t>Создать </a:t>
+              <a:t>Создать</a:t>
+            </a:r>
+            <a:r>
+              <a:rPr lang="en-US" sz="1200" i="1" dirty="0" smtClean="0"/>
+              <a:t> @Service</a:t>
+            </a:r>
+            <a:r>
+              <a:rPr lang="ru-RU" sz="1200" i="1" dirty="0" smtClean="0"/>
+              <a:t> </a:t>
+            </a:r>
+            <a:r>
+              <a:rPr lang="en-US" sz="1200" i="1" dirty="0" err="1" smtClean="0"/>
+              <a:t>JwtService</a:t>
+            </a:r>
+            <a:endParaRPr lang="en-US" sz="1200" i="1" dirty="0" smtClean="0"/>
+          </a:p>
+          <a:p>
+            <a:pPr marL="857250" lvl="1" indent="-457200"/>
+            <a:r>
+              <a:rPr lang="ru-RU" sz="1200" dirty="0"/>
+              <a:t>Добавить </a:t>
+            </a:r>
+            <a:r>
+              <a:rPr lang="ru-RU" sz="1200" dirty="0" smtClean="0"/>
+              <a:t>переменные для </a:t>
+            </a:r>
+            <a:r>
+              <a:rPr lang="ru-RU" sz="1200" dirty="0" err="1" smtClean="0"/>
+              <a:t>пропертей</a:t>
+            </a:r>
+            <a:r>
+              <a:rPr lang="ru-RU" sz="1200" dirty="0" smtClean="0"/>
+              <a:t> </a:t>
             </a:r>
             <a:r>
               <a:rPr lang="en-US" sz="1200" i="1" dirty="0" err="1"/>
-              <a:t>JwtAuthorizationFilter</a:t>
+              <a:t>jwt.secret</a:t>
             </a:r>
             <a:r>
               <a:rPr lang="en-US" sz="1200" dirty="0"/>
               <a:t> </a:t>
             </a:r>
             <a:r>
+              <a:rPr lang="ru-RU" sz="1200" dirty="0"/>
+              <a:t>и </a:t>
+            </a:r>
+            <a:r>
+              <a:rPr lang="en-US" sz="1200" i="1" dirty="0" err="1" smtClean="0"/>
+              <a:t>jwt.expiration.seconds</a:t>
+            </a:r>
+            <a:endParaRPr lang="ru-RU" sz="1200" i="1" dirty="0" smtClean="0"/>
+          </a:p>
+          <a:p>
+            <a:pPr marL="857250" lvl="1" indent="-457200"/>
+            <a:r>
               <a:rPr lang="ru-RU" sz="1200" dirty="0" smtClean="0"/>
-              <a:t>расширяющий</a:t>
+              <a:t>Создать метод </a:t>
+            </a:r>
+            <a:r>
+              <a:rPr lang="en-US" sz="1200" i="1" dirty="0"/>
+              <a:t>public String </a:t>
+            </a:r>
+            <a:r>
+              <a:rPr lang="en-US" sz="1200" i="1" dirty="0" err="1"/>
+              <a:t>createJwtToken</a:t>
+            </a:r>
+            <a:r>
+              <a:rPr lang="en-US" sz="1200" i="1" dirty="0"/>
+              <a:t>(</a:t>
+            </a:r>
+            <a:r>
+              <a:rPr lang="en-US" sz="1200" i="1" dirty="0" err="1"/>
+              <a:t>UserDetails</a:t>
+            </a:r>
+            <a:r>
+              <a:rPr lang="en-US" sz="1200" i="1" dirty="0"/>
+              <a:t> </a:t>
+            </a:r>
+            <a:r>
+              <a:rPr lang="en-US" sz="1200" i="1" dirty="0" err="1"/>
+              <a:t>userDetails</a:t>
+            </a:r>
+            <a:r>
+              <a:rPr lang="en-US" sz="1200" i="1" dirty="0"/>
+              <a:t>) </a:t>
+            </a:r>
+            <a:endParaRPr lang="ru-RU" sz="1200" i="1" dirty="0" smtClean="0"/>
+          </a:p>
+          <a:p>
+            <a:pPr marL="1257300" lvl="2" indent="-457200"/>
+            <a:r>
+              <a:rPr lang="ru-RU" sz="1200" dirty="0" smtClean="0"/>
+              <a:t>Собрать </a:t>
+            </a:r>
+            <a:r>
+              <a:rPr lang="ru-RU" sz="1200" dirty="0" err="1" smtClean="0"/>
+              <a:t>токен</a:t>
+            </a:r>
+            <a:r>
+              <a:rPr lang="ru-RU" sz="1200" dirty="0"/>
+              <a:t> </a:t>
+            </a:r>
+            <a:r>
+              <a:rPr lang="ru-RU" sz="1200" dirty="0" smtClean="0"/>
+              <a:t>с префиксом </a:t>
+            </a:r>
+            <a:r>
+              <a:rPr lang="en-US" sz="1200" i="1" dirty="0"/>
+              <a:t>"Bearer "</a:t>
+            </a:r>
+            <a:r>
+              <a:rPr lang="ru-RU" sz="1200" i="1" dirty="0" smtClean="0"/>
+              <a:t>, используя </a:t>
+            </a:r>
+            <a:r>
+              <a:rPr lang="en-US" sz="1200" i="1" dirty="0" err="1"/>
+              <a:t>io.jsonwebtoken.Jwts.builder</a:t>
+            </a:r>
+            <a:r>
+              <a:rPr lang="en-US" sz="1200" i="1" dirty="0" smtClean="0"/>
+              <a:t>()</a:t>
+            </a:r>
+            <a:endParaRPr lang="ru-RU" sz="1200" i="1" dirty="0" smtClean="0"/>
+          </a:p>
+          <a:p>
+            <a:pPr marL="1257300" lvl="2" indent="-457200"/>
+            <a:r>
+              <a:rPr lang="ru-RU" sz="1200" dirty="0" smtClean="0"/>
+              <a:t>З</a:t>
+            </a:r>
+            <a:r>
+              <a:rPr lang="ru-RU" sz="1200" dirty="0" smtClean="0"/>
+              <a:t>адать </a:t>
+            </a:r>
+            <a:r>
+              <a:rPr lang="en-US" sz="1200" i="1" dirty="0" smtClean="0"/>
+              <a:t>username</a:t>
             </a:r>
             <a:r>
               <a:rPr lang="en-US" sz="1200" dirty="0" smtClean="0"/>
               <a:t> </a:t>
             </a:r>
             <a:r>
-              <a:rPr lang="en-US" sz="1200" i="1" dirty="0" err="1" smtClean="0"/>
-              <a:t>BasicAuthenticationFilter</a:t>
-            </a:r>
-            <a:endParaRPr lang="ru-RU" sz="1200" i="1" dirty="0" smtClean="0"/>
+              <a:rPr lang="ru-RU" sz="1200" dirty="0" smtClean="0"/>
+              <a:t>в </a:t>
+            </a:r>
+            <a:r>
+              <a:rPr lang="en-US" sz="1200" i="1" dirty="0" smtClean="0"/>
+              <a:t>Subject</a:t>
+            </a:r>
+            <a:r>
+              <a:rPr lang="ru-RU" sz="1200" dirty="0"/>
+              <a:t>,</a:t>
+            </a:r>
+            <a:r>
+              <a:rPr lang="ru-RU" sz="1200" dirty="0" smtClean="0"/>
+              <a:t> Роль в </a:t>
+            </a:r>
+            <a:r>
+              <a:rPr lang="en-US" sz="1200" i="1" dirty="0" smtClean="0"/>
+              <a:t>Claims</a:t>
+            </a:r>
+            <a:r>
+              <a:rPr lang="ru-RU" sz="1200" dirty="0" smtClean="0"/>
+              <a:t>, и </a:t>
+            </a:r>
+            <a:r>
+              <a:rPr lang="en-US" sz="1200" i="1" dirty="0" smtClean="0"/>
+              <a:t>Expiration</a:t>
+            </a:r>
+            <a:r>
+              <a:rPr lang="ru-RU" sz="1200" dirty="0" smtClean="0"/>
+              <a:t>, используя значение из </a:t>
+            </a:r>
+            <a:r>
+              <a:rPr lang="en-US" sz="1200" dirty="0" smtClean="0"/>
+              <a:t>property</a:t>
+            </a:r>
+            <a:endParaRPr lang="ru-RU" sz="1200" dirty="0" smtClean="0"/>
+          </a:p>
+          <a:p>
+            <a:pPr marL="1257300" lvl="2" indent="-457200"/>
+            <a:r>
+              <a:rPr lang="ru-RU" sz="1200" dirty="0" smtClean="0"/>
+              <a:t>Зашифровать </a:t>
+            </a:r>
+            <a:r>
+              <a:rPr lang="ru-RU" sz="1200" dirty="0" err="1" smtClean="0"/>
+              <a:t>токен</a:t>
+            </a:r>
+            <a:r>
+              <a:rPr lang="ru-RU" sz="1200" dirty="0" smtClean="0"/>
+              <a:t> секретом </a:t>
+            </a:r>
+            <a:r>
+              <a:rPr lang="ru-RU" sz="1200" dirty="0" smtClean="0"/>
+              <a:t>с помощью </a:t>
+            </a:r>
+            <a:r>
+              <a:rPr lang="en-US" sz="1200" i="1" dirty="0"/>
+              <a:t>.</a:t>
+            </a:r>
+            <a:r>
+              <a:rPr lang="en-US" sz="1200" i="1" dirty="0" err="1"/>
+              <a:t>signWith</a:t>
+            </a:r>
+            <a:r>
+              <a:rPr lang="en-US" sz="1200" i="1" dirty="0"/>
+              <a:t>(SignatureAlgorithm.HS512, secret).compact</a:t>
+            </a:r>
+            <a:r>
+              <a:rPr lang="en-US" sz="1200" i="1" dirty="0" smtClean="0"/>
+              <a:t>()</a:t>
+            </a:r>
+            <a:endParaRPr lang="ru-RU" sz="1200" dirty="0" smtClean="0"/>
           </a:p>
           <a:p>
             <a:pPr marL="857250" lvl="1" indent="-457200"/>
             <a:r>
               <a:rPr lang="ru-RU" sz="1200" dirty="0" smtClean="0"/>
-              <a:t>Добавить в конструктор функцию разбора </a:t>
-            </a:r>
-            <a:r>
-              <a:rPr lang="ru-RU" sz="1200" dirty="0" err="1" smtClean="0"/>
-              <a:t>токена</a:t>
-            </a:r>
-            <a:r>
-              <a:rPr lang="ru-RU" sz="1200" dirty="0" smtClean="0"/>
-              <a:t> </a:t>
-            </a:r>
-            <a:r>
-              <a:rPr lang="en-US" sz="1200" i="1" dirty="0" smtClean="0"/>
-              <a:t>Function&lt;String</a:t>
+              <a:t>Создать </a:t>
+            </a:r>
+            <a:r>
+              <a:rPr lang="ru-RU" sz="1200" dirty="0"/>
+              <a:t>метод </a:t>
             </a:r>
             <a:r>
               <a:rPr lang="en-US" sz="1200" i="1" dirty="0"/>
-              <a:t>, </a:t>
+              <a:t>public </a:t>
             </a:r>
             <a:r>
               <a:rPr lang="en-US" sz="1200" i="1" dirty="0" err="1"/>
@@ -3897,147 +4194,181 @@
             </a:r>
             <a:r>
               <a:rPr lang="en-US" sz="1200" i="1" dirty="0"/>
-              <a:t>&gt; </a:t>
+              <a:t> </a:t>
             </a:r>
             <a:r>
               <a:rPr lang="en-US" sz="1200" i="1" dirty="0" err="1"/>
-              <a:t>parseJwtTokenFunction</a:t>
-            </a:r>
-            <a:endParaRPr lang="ru-RU" sz="1200" i="1" dirty="0" smtClean="0"/>
-          </a:p>
-          <a:p>
-            <a:pPr marL="857250" lvl="1" indent="-457200"/>
+              <a:t>parseJwtToken</a:t>
+            </a:r>
+            <a:r>
+              <a:rPr lang="en-US" sz="1200" i="1" dirty="0"/>
+              <a:t>(String token) </a:t>
+            </a:r>
+            <a:endParaRPr lang="ru-RU" sz="1200" i="1" dirty="0"/>
+          </a:p>
+          <a:p>
+            <a:pPr marL="1257300" lvl="2" indent="-457200"/>
             <a:r>
               <a:rPr lang="ru-RU" sz="1200" dirty="0"/>
-              <a:t>Переопределить метод </a:t>
+              <a:t>Получить значение </a:t>
+            </a:r>
+            <a:r>
+              <a:rPr lang="ru-RU" sz="1200" dirty="0" err="1"/>
+              <a:t>токена</a:t>
+            </a:r>
+            <a:r>
+              <a:rPr lang="ru-RU" sz="1200" dirty="0"/>
+              <a:t>, отбросив префикс </a:t>
+            </a:r>
+            <a:r>
+              <a:rPr lang="en-US" sz="1200" i="1" dirty="0"/>
+              <a:t>"Bearer </a:t>
+            </a:r>
+            <a:r>
+              <a:rPr lang="en-US" sz="1200" i="1" dirty="0" smtClean="0"/>
+              <a:t>"</a:t>
+            </a:r>
+            <a:endParaRPr lang="ru-RU" sz="1200" dirty="0"/>
+          </a:p>
+          <a:p>
+            <a:pPr marL="1257300" lvl="2" indent="-457200"/>
+            <a:r>
+              <a:rPr lang="ru-RU" sz="1200" dirty="0" err="1"/>
+              <a:t>Распарсить</a:t>
+            </a:r>
+            <a:r>
+              <a:rPr lang="ru-RU" sz="1200" dirty="0"/>
+              <a:t> </a:t>
+            </a:r>
+            <a:r>
+              <a:rPr lang="ru-RU" sz="1200" dirty="0" err="1"/>
+              <a:t>токен</a:t>
+            </a:r>
+            <a:r>
+              <a:rPr lang="ru-RU" sz="1200" dirty="0"/>
+              <a:t> в специальный </a:t>
+            </a:r>
+            <a:r>
+              <a:rPr lang="ru-RU" sz="1200" dirty="0" smtClean="0"/>
+              <a:t>объект </a:t>
+            </a:r>
+            <a:r>
+              <a:rPr lang="en-US" sz="1200" i="1" dirty="0" err="1" smtClean="0"/>
+              <a:t>io.jsonwebtoken.</a:t>
+            </a:r>
+            <a:r>
+              <a:rPr lang="en-US" sz="1200" i="1" dirty="0" err="1" smtClean="0"/>
+              <a:t>Claims</a:t>
+            </a:r>
+            <a:r>
+              <a:rPr lang="ru-RU" sz="1200" i="1" dirty="0" smtClean="0"/>
+              <a:t>:</a:t>
+            </a:r>
+            <a:r>
+              <a:rPr lang="en-US" sz="1200" i="1" dirty="0" smtClean="0"/>
+              <a:t> </a:t>
             </a:r>
             <a:r>
               <a:rPr lang="en-US" sz="1200" i="1" dirty="0" err="1"/>
-              <a:t>doFilterInternal</a:t>
+              <a:t>Jwts.parser</a:t>
             </a:r>
             <a:r>
               <a:rPr lang="en-US" sz="1200" i="1" dirty="0"/>
-              <a:t> </a:t>
+              <a:t>().</a:t>
+            </a:r>
+            <a:r>
+              <a:rPr lang="en-US" sz="1200" i="1" dirty="0" err="1"/>
+              <a:t>setSigningKey</a:t>
+            </a:r>
+            <a:r>
+              <a:rPr lang="en-US" sz="1200" i="1" dirty="0"/>
+              <a:t>(secret).</a:t>
+            </a:r>
+            <a:r>
+              <a:rPr lang="en-US" sz="1200" i="1" dirty="0" err="1"/>
+              <a:t>parseClaimsJws</a:t>
+            </a:r>
+            <a:r>
+              <a:rPr lang="en-US" sz="1200" i="1" dirty="0"/>
+              <a:t>(</a:t>
+            </a:r>
+            <a:r>
+              <a:rPr lang="en-US" sz="1200" i="1" dirty="0" err="1"/>
+              <a:t>jwtToken</a:t>
+            </a:r>
+            <a:r>
+              <a:rPr lang="en-US" sz="1200" i="1" dirty="0"/>
+              <a:t>).</a:t>
+            </a:r>
+            <a:r>
+              <a:rPr lang="en-US" sz="1200" i="1" dirty="0" err="1"/>
+              <a:t>getBody</a:t>
+            </a:r>
+            <a:r>
+              <a:rPr lang="en-US" sz="1200" i="1" dirty="0"/>
+              <a:t>();</a:t>
             </a:r>
             <a:endParaRPr lang="ru-RU" sz="1200" i="1" dirty="0"/>
           </a:p>
           <a:p>
             <a:pPr marL="1257300" lvl="2" indent="-457200"/>
             <a:r>
-              <a:rPr lang="ru-RU" sz="1200" dirty="0" smtClean="0"/>
-              <a:t>Получить </a:t>
-            </a:r>
-            <a:r>
-              <a:rPr lang="ru-RU" sz="1200" dirty="0" err="1" smtClean="0"/>
-              <a:t>токен</a:t>
-            </a:r>
-            <a:r>
-              <a:rPr lang="ru-RU" sz="1200" dirty="0" smtClean="0"/>
-              <a:t> из </a:t>
-            </a:r>
-            <a:r>
-              <a:rPr lang="en-US" sz="1200" dirty="0" smtClean="0"/>
-              <a:t>Header</a:t>
-            </a:r>
-            <a:r>
-              <a:rPr lang="ru-RU" sz="1200" dirty="0" smtClean="0"/>
-              <a:t> </a:t>
-            </a:r>
-            <a:r>
-              <a:rPr lang="en-US" sz="1200" i="1" dirty="0"/>
-              <a:t>"Authorization"</a:t>
+              <a:rPr lang="ru-RU" sz="1200" dirty="0"/>
+              <a:t>Создать</a:t>
             </a:r>
             <a:r>
               <a:rPr lang="en-US" sz="1200" dirty="0"/>
               <a:t> </a:t>
             </a:r>
-            <a:endParaRPr lang="ru-RU" sz="1200" dirty="0" smtClean="0"/>
-          </a:p>
-          <a:p>
-            <a:pPr marL="1257300" lvl="2" indent="-457200"/>
-            <a:r>
-              <a:rPr lang="ru-RU" sz="1200" dirty="0" err="1" smtClean="0"/>
-              <a:t>Распарсить</a:t>
-            </a:r>
-            <a:r>
-              <a:rPr lang="ru-RU" sz="1200" dirty="0" smtClean="0"/>
-              <a:t> его и получить объект типа </a:t>
-            </a:r>
-            <a:r>
-              <a:rPr lang="en-US" sz="1200" dirty="0" err="1" smtClean="0"/>
-              <a:t>UserDetails</a:t>
-            </a:r>
-            <a:endParaRPr lang="ru-RU" sz="1200" dirty="0" smtClean="0"/>
-          </a:p>
-          <a:p>
-            <a:pPr marL="1257300" lvl="2" indent="-457200"/>
-            <a:r>
-              <a:rPr lang="ru-RU" sz="1200" dirty="0" smtClean="0"/>
-              <a:t>Положить </a:t>
-            </a:r>
-            <a:r>
-              <a:rPr lang="ru-RU" sz="1200" dirty="0" err="1" smtClean="0"/>
-              <a:t>токен</a:t>
-            </a:r>
-            <a:r>
-              <a:rPr lang="ru-RU" sz="1200" dirty="0" smtClean="0"/>
-              <a:t> в контекст </a:t>
-            </a:r>
-            <a:r>
-              <a:rPr lang="en-US" sz="1200" dirty="0"/>
-              <a:t>Spring Security:</a:t>
-            </a:r>
-            <a:br>
-              <a:rPr lang="en-US" sz="1200" dirty="0"/>
-            </a:br>
+            <a:r>
+              <a:rPr lang="ru-RU" sz="1200" dirty="0"/>
+              <a:t>и вернуть экземпляр объекта</a:t>
+            </a:r>
+            <a:r>
+              <a:rPr lang="ru-RU" sz="1200" i="1" dirty="0"/>
+              <a:t> </a:t>
+            </a:r>
+            <a:r>
+              <a:rPr lang="en-US" sz="1200" i="1" dirty="0"/>
+              <a:t>User</a:t>
+            </a:r>
+            <a:r>
+              <a:rPr lang="ru-RU" sz="1200" dirty="0"/>
+              <a:t>, задав </a:t>
+            </a:r>
+            <a:r>
+              <a:rPr lang="en-US" sz="1200" i="1" dirty="0"/>
+              <a:t>username (</a:t>
+            </a:r>
             <a:r>
               <a:rPr lang="en-US" sz="1200" i="1" dirty="0" err="1"/>
-              <a:t>SecurityContextHolder.getContext</a:t>
+              <a:t>getSubject</a:t>
             </a:r>
             <a:r>
               <a:rPr lang="en-US" sz="1200" i="1" dirty="0"/>
-              <a:t>().</a:t>
+              <a:t>()) </a:t>
+            </a:r>
+            <a:r>
+              <a:rPr lang="ru-RU" sz="1200" dirty="0"/>
+              <a:t>и роль </a:t>
+            </a:r>
+            <a:r>
+              <a:rPr lang="ru-RU" sz="1200" i="1" dirty="0"/>
+              <a:t>(</a:t>
+            </a:r>
+            <a:r>
+              <a:rPr lang="en-US" sz="1200" i="1" dirty="0"/>
+              <a:t>get("Authority", </a:t>
             </a:r>
             <a:r>
               <a:rPr lang="en-US" sz="1200" i="1" dirty="0" err="1"/>
-              <a:t>setAuthentication</a:t>
-            </a:r>
-            <a:r>
-              <a:rPr lang="en-US" sz="1200" i="1" dirty="0" smtClean="0"/>
-              <a:t>(</a:t>
-            </a:r>
-            <a:br>
-              <a:rPr lang="en-US" sz="1200" i="1" dirty="0" smtClean="0"/>
-            </a:br>
-            <a:r>
-              <a:rPr lang="en-US" sz="1200" i="1" dirty="0" smtClean="0"/>
-              <a:t>new </a:t>
-            </a:r>
-            <a:r>
-              <a:rPr lang="en-US" sz="1200" i="1" dirty="0" err="1"/>
-              <a:t>UsernamePasswordAuthenticationToken</a:t>
-            </a:r>
-            <a:r>
-              <a:rPr lang="en-US" sz="1200" i="1" dirty="0"/>
-              <a:t>(</a:t>
-            </a:r>
-            <a:r>
-              <a:rPr lang="en-US" sz="1200" i="1" dirty="0" err="1"/>
-              <a:t>userDetails</a:t>
-            </a:r>
-            <a:r>
-              <a:rPr lang="en-US" sz="1200" i="1" dirty="0"/>
-              <a:t>, null, </a:t>
-            </a:r>
-            <a:r>
-              <a:rPr lang="en-US" sz="1200" i="1" dirty="0" err="1"/>
-              <a:t>userDetails.getAuthorities</a:t>
-            </a:r>
-            <a:r>
-              <a:rPr lang="en-US" sz="1200" i="1" dirty="0" smtClean="0"/>
-              <a:t>()));</a:t>
-            </a:r>
-            <a:endParaRPr lang="ru-RU" sz="1200" i="1" dirty="0" smtClean="0"/>
+              <a:t>String.class</a:t>
+            </a:r>
+            <a:r>
+              <a:rPr lang="ru-RU" sz="1200" i="1" dirty="0" smtClean="0"/>
+              <a:t>)</a:t>
+            </a:r>
+            <a:endParaRPr lang="en-US" sz="1200" i="1" dirty="0" smtClean="0"/>
           </a:p>
           <a:p>
             <a:pPr marL="457200" indent="-457200">
@@ -4046,11 +4377,15 @@
             </a:pPr>
             <a:r>
               <a:rPr lang="ru-RU" sz="1200" dirty="0" smtClean="0"/>
-              <a:t>Создать</a:t>
-            </a:r>
-            <a:r>
-              <a:rPr lang="en-US" sz="1200" i="1" dirty="0" smtClean="0"/>
-              <a:t> @Service</a:t>
+              <a:t>Добавить фильтры</a:t>
+            </a:r>
+            <a:r>
+              <a:rPr lang="en-US" sz="1200" dirty="0" smtClean="0"/>
+              <a:t> </a:t>
+            </a:r>
+            <a:r>
+              <a:rPr lang="ru-RU" sz="1200" dirty="0" smtClean="0"/>
+              <a:t>в конфигурацию</a:t>
             </a:r>
             <a:r>
               <a:rPr lang="ru-RU" sz="1200" i="1" dirty="0" smtClean="0"/>
@@ -4058,127 +4393,7 @@
             </a:r>
             <a:r>
               <a:rPr lang="en-US" sz="1200" i="1" dirty="0" err="1" smtClean="0"/>
-              <a:t>JwtService</a:t>
-            </a:r>
-            <a:endParaRPr lang="en-US" sz="1200" i="1" dirty="0" smtClean="0"/>
-          </a:p>
-          <a:p>
-            <a:pPr marL="857250" lvl="1" indent="-457200"/>
-            <a:r>
-              <a:rPr lang="ru-RU" sz="1200" dirty="0"/>
-              <a:t>Добавить </a:t>
-            </a:r>
-            <a:r>
-              <a:rPr lang="ru-RU" sz="1200" dirty="0" smtClean="0"/>
-              <a:t>переменные для </a:t>
-            </a:r>
-            <a:r>
-              <a:rPr lang="ru-RU" sz="1200" dirty="0" err="1" smtClean="0"/>
-              <a:t>пропертей</a:t>
-            </a:r>
-            <a:r>
-              <a:rPr lang="ru-RU" sz="1200" dirty="0" smtClean="0"/>
-              <a:t> </a:t>
-            </a:r>
-            <a:r>
-              <a:rPr lang="en-US" sz="1200" i="1" dirty="0" err="1"/>
-              <a:t>jwt.secret</a:t>
-            </a:r>
-            <a:r>
-              <a:rPr lang="en-US" sz="1200" dirty="0"/>
-              <a:t> </a:t>
-            </a:r>
-            <a:r>
-              <a:rPr lang="ru-RU" sz="1200" dirty="0"/>
-              <a:t>и </a:t>
-            </a:r>
-            <a:r>
-              <a:rPr lang="en-US" sz="1200" i="1" dirty="0" err="1" smtClean="0"/>
-              <a:t>jwt.expiration.seconds</a:t>
-            </a:r>
-            <a:endParaRPr lang="ru-RU" sz="1200" i="1" dirty="0" smtClean="0"/>
-          </a:p>
-          <a:p>
-            <a:pPr marL="857250" lvl="1" indent="-457200"/>
-            <a:r>
-              <a:rPr lang="ru-RU" sz="1200" dirty="0" smtClean="0"/>
-              <a:t>Создать метод </a:t>
-            </a:r>
-            <a:r>
-              <a:rPr lang="en-US" sz="1200" i="1" dirty="0"/>
-              <a:t>public String </a:t>
-            </a:r>
-            <a:r>
-              <a:rPr lang="en-US" sz="1200" i="1" dirty="0" err="1"/>
-              <a:t>createJwtToken</a:t>
-            </a:r>
-            <a:r>
-              <a:rPr lang="en-US" sz="1200" i="1" dirty="0"/>
-              <a:t>(</a:t>
-            </a:r>
-            <a:r>
-              <a:rPr lang="en-US" sz="1200" i="1" dirty="0" err="1"/>
-              <a:t>UserDetails</a:t>
-            </a:r>
-            <a:r>
-              <a:rPr lang="en-US" sz="1200" i="1" dirty="0"/>
-              <a:t> </a:t>
-            </a:r>
-            <a:r>
-              <a:rPr lang="en-US" sz="1200" i="1" dirty="0" err="1"/>
-              <a:t>userDetails</a:t>
-            </a:r>
-            <a:r>
-              <a:rPr lang="en-US" sz="1200" i="1" dirty="0"/>
-              <a:t>) </a:t>
-            </a:r>
-            <a:endParaRPr lang="ru-RU" sz="1200" i="1" dirty="0" smtClean="0"/>
-          </a:p>
-          <a:p>
-            <a:pPr marL="1257300" lvl="2" indent="-457200"/>
-            <a:r>
-              <a:rPr lang="ru-RU" sz="1200" dirty="0" smtClean="0"/>
-              <a:t>Собрать </a:t>
-            </a:r>
-            <a:r>
-              <a:rPr lang="ru-RU" sz="1200" dirty="0" err="1" smtClean="0"/>
-              <a:t>токен</a:t>
-            </a:r>
-            <a:r>
-              <a:rPr lang="ru-RU" sz="1200" dirty="0"/>
-              <a:t> </a:t>
-            </a:r>
-            <a:r>
-              <a:rPr lang="ru-RU" sz="1200" dirty="0" smtClean="0"/>
-              <a:t>с префиксом </a:t>
-            </a:r>
-            <a:r>
-              <a:rPr lang="en-US" sz="1200" i="1" dirty="0"/>
-              <a:t>"Bearer "</a:t>
-            </a:r>
-            <a:r>
-              <a:rPr lang="ru-RU" sz="1200" i="1" dirty="0" smtClean="0"/>
-              <a:t>, используя </a:t>
-            </a:r>
-            <a:r>
-              <a:rPr lang="en-US" sz="1200" i="1" dirty="0" err="1"/>
-              <a:t>Jwts.builder</a:t>
-            </a:r>
-            <a:r>
-              <a:rPr lang="en-US" sz="1200" i="1" dirty="0" smtClean="0"/>
-              <a:t>()</a:t>
-            </a:r>
-            <a:endParaRPr lang="ru-RU" sz="1200" i="1" dirty="0" smtClean="0"/>
-          </a:p>
-          <a:p>
-            <a:pPr marL="1257300" lvl="2" indent="-457200"/>
-            <a:r>
-              <a:rPr lang="ru-RU" sz="1200" dirty="0" smtClean="0"/>
-              <a:t>Необходимо задать </a:t>
-            </a:r>
-            <a:r>
-              <a:rPr lang="en-US" sz="1200" i="1" dirty="0" smtClean="0"/>
-              <a:t>username</a:t>
+              <a:t>HttpSecurity</a:t>
             </a:r>
             <a:r>
               <a:rPr lang="en-US" sz="1200" dirty="0" smtClean="0"/>
@@ -4189,264 +4404,21 @@
               <a:t>в </a:t>
             </a:r>
             <a:r>
-              <a:rPr lang="en-US" sz="1200" i="1" dirty="0" smtClean="0"/>
-              <a:t>Subject</a:t>
-            </a:r>
-            <a:r>
-              <a:rPr lang="ru-RU" sz="1200" dirty="0"/>
-              <a:t>,</a:t>
-            </a:r>
+              <a:rPr lang="en-US" sz="1200" i="1" dirty="0" err="1" smtClean="0"/>
+              <a:t>RestSecurityConfig</a:t>
+            </a:r>
+            <a:endParaRPr lang="ru-RU" sz="1200" i="1" dirty="0" smtClean="0"/>
+          </a:p>
+          <a:p>
+            <a:pPr marL="457200" indent="-457200">
+              <a:buFont typeface="+mj-lt"/>
+              <a:buAutoNum type="arabicPeriod"/>
+            </a:pPr>
             <a:r>
               <a:rPr lang="ru-RU" sz="1200" dirty="0" smtClean="0"/>
-              <a:t> Роль в </a:t>
-            </a:r>
-            <a:r>
-              <a:rPr lang="en-US" sz="1200" i="1" dirty="0" smtClean="0"/>
-              <a:t>Claims</a:t>
-            </a:r>
-            <a:r>
-              <a:rPr lang="ru-RU" sz="1200" dirty="0" smtClean="0"/>
-              <a:t>, и </a:t>
-            </a:r>
-            <a:r>
-              <a:rPr lang="en-US" sz="1200" i="1" dirty="0" smtClean="0"/>
-              <a:t>Expiration</a:t>
-            </a:r>
-            <a:r>
-              <a:rPr lang="ru-RU" sz="1200" dirty="0" smtClean="0"/>
-              <a:t>, используя значение из </a:t>
-            </a:r>
-            <a:r>
-              <a:rPr lang="en-US" sz="1200" dirty="0" smtClean="0"/>
-              <a:t>property</a:t>
-            </a:r>
-            <a:endParaRPr lang="ru-RU" sz="1200" dirty="0" smtClean="0"/>
-          </a:p>
-          <a:p>
-            <a:pPr marL="1257300" lvl="2" indent="-457200"/>
-            <a:r>
-              <a:rPr lang="ru-RU" sz="1200" dirty="0" smtClean="0"/>
-              <a:t>Далее необходимо зашифровать </a:t>
-            </a:r>
-            <a:r>
-              <a:rPr lang="ru-RU" sz="1200" dirty="0" err="1" smtClean="0"/>
-              <a:t>токен</a:t>
-            </a:r>
-            <a:r>
-              <a:rPr lang="ru-RU" sz="1200" dirty="0" smtClean="0"/>
-              <a:t> секретом и преобразовать в строку, используя </a:t>
-            </a:r>
-            <a:r>
-              <a:rPr lang="en-US" sz="1200" i="1" dirty="0"/>
-              <a:t>.</a:t>
-            </a:r>
-            <a:r>
-              <a:rPr lang="en-US" sz="1200" i="1" dirty="0" err="1"/>
-              <a:t>signWith</a:t>
-            </a:r>
-            <a:r>
-              <a:rPr lang="en-US" sz="1200" i="1" dirty="0"/>
-              <a:t>(SignatureAlgorithm.HS512, secret).compact</a:t>
-            </a:r>
-            <a:r>
-              <a:rPr lang="en-US" sz="1200" i="1" dirty="0" smtClean="0"/>
-              <a:t>()</a:t>
-            </a:r>
-            <a:endParaRPr lang="ru-RU" sz="1200" dirty="0" smtClean="0"/>
-          </a:p>
-          <a:p>
-            <a:pPr marL="857250" lvl="1" indent="-457200"/>
-            <a:r>
-              <a:rPr lang="ru-RU" sz="1200" dirty="0" smtClean="0"/>
-              <a:t>Создать </a:t>
-            </a:r>
-            <a:r>
-              <a:rPr lang="ru-RU" sz="1200" dirty="0"/>
-              <a:t>метод </a:t>
-            </a:r>
-            <a:r>
-              <a:rPr lang="en-US" sz="1200" i="1" dirty="0"/>
-              <a:t>public </a:t>
-            </a:r>
-            <a:r>
-              <a:rPr lang="en-US" sz="1200" i="1" dirty="0" err="1"/>
-              <a:t>UserDetails</a:t>
-            </a:r>
-            <a:r>
-              <a:rPr lang="en-US" sz="1200" i="1" dirty="0"/>
-              <a:t> </a:t>
-            </a:r>
-            <a:r>
-              <a:rPr lang="en-US" sz="1200" i="1" dirty="0" err="1"/>
-              <a:t>parseJwtToken</a:t>
-            </a:r>
-            <a:r>
-              <a:rPr lang="en-US" sz="1200" i="1" dirty="0"/>
-              <a:t>(String token) </a:t>
-            </a:r>
-            <a:endParaRPr lang="ru-RU" sz="1200" i="1" dirty="0"/>
-          </a:p>
-          <a:p>
-            <a:pPr marL="1257300" lvl="2" indent="-457200"/>
-            <a:r>
-              <a:rPr lang="ru-RU" sz="1200" dirty="0"/>
-              <a:t>Получить значение </a:t>
-            </a:r>
-            <a:r>
-              <a:rPr lang="ru-RU" sz="1200" dirty="0" err="1"/>
-              <a:t>токена</a:t>
-            </a:r>
-            <a:r>
-              <a:rPr lang="ru-RU" sz="1200" dirty="0"/>
-              <a:t>, отбросив префикс </a:t>
-            </a:r>
-            <a:r>
-              <a:rPr lang="en-US" sz="1200" i="1" dirty="0"/>
-              <a:t>"Bearer </a:t>
-            </a:r>
-            <a:r>
-              <a:rPr lang="en-US" sz="1200" i="1" dirty="0" smtClean="0"/>
-              <a:t>"</a:t>
+              <a:t>Тесты должны проходить</a:t>
             </a:r>
             <a:endParaRPr lang="ru-RU" sz="1200" dirty="0"/>
-          </a:p>
-          <a:p>
-            <a:pPr marL="1257300" lvl="2" indent="-457200"/>
-            <a:r>
-              <a:rPr lang="ru-RU" sz="1200" dirty="0" err="1"/>
-              <a:t>Распарсить</a:t>
-            </a:r>
-            <a:r>
-              <a:rPr lang="ru-RU" sz="1200" dirty="0"/>
-              <a:t> </a:t>
-            </a:r>
-            <a:r>
-              <a:rPr lang="ru-RU" sz="1200" dirty="0" err="1"/>
-              <a:t>токен</a:t>
-            </a:r>
-            <a:r>
-              <a:rPr lang="ru-RU" sz="1200" dirty="0"/>
-              <a:t> в специальный объект</a:t>
-            </a:r>
-            <a:r>
-              <a:rPr lang="ru-RU" sz="1200" i="1" dirty="0"/>
-              <a:t/>
-            </a:r>
-            <a:br>
-              <a:rPr lang="ru-RU" sz="1200" i="1" dirty="0"/>
-            </a:br>
-            <a:r>
-              <a:rPr lang="en-US" sz="1200" i="1" dirty="0"/>
-              <a:t>Claims </a:t>
-            </a:r>
-            <a:r>
-              <a:rPr lang="en-US" sz="1200" i="1" dirty="0" err="1"/>
-              <a:t>claims</a:t>
-            </a:r>
-            <a:r>
-              <a:rPr lang="en-US" sz="1200" i="1" dirty="0"/>
-              <a:t> = </a:t>
-            </a:r>
-            <a:r>
-              <a:rPr lang="en-US" sz="1200" i="1" dirty="0" err="1"/>
-              <a:t>Jwts.parser</a:t>
-            </a:r>
-            <a:r>
-              <a:rPr lang="en-US" sz="1200" i="1" dirty="0"/>
-              <a:t>().</a:t>
-            </a:r>
-            <a:r>
-              <a:rPr lang="en-US" sz="1200" i="1" dirty="0" err="1"/>
-              <a:t>setSigningKey</a:t>
-            </a:r>
-            <a:r>
-              <a:rPr lang="en-US" sz="1200" i="1" dirty="0"/>
-              <a:t>(secret).</a:t>
-            </a:r>
-            <a:r>
-              <a:rPr lang="en-US" sz="1200" i="1" dirty="0" err="1"/>
-              <a:t>parseClaimsJws</a:t>
-            </a:r>
-            <a:r>
-              <a:rPr lang="en-US" sz="1200" i="1" dirty="0"/>
-              <a:t>(</a:t>
-            </a:r>
-            <a:r>
-              <a:rPr lang="en-US" sz="1200" i="1" dirty="0" err="1"/>
-              <a:t>jwtToken</a:t>
-            </a:r>
-            <a:r>
-              <a:rPr lang="en-US" sz="1200" i="1" dirty="0"/>
-              <a:t>).</a:t>
-            </a:r>
-            <a:r>
-              <a:rPr lang="en-US" sz="1200" i="1" dirty="0" err="1"/>
-              <a:t>getBody</a:t>
-            </a:r>
-            <a:r>
-              <a:rPr lang="en-US" sz="1200" i="1" dirty="0"/>
-              <a:t>();</a:t>
-            </a:r>
-            <a:endParaRPr lang="ru-RU" sz="1200" i="1" dirty="0"/>
-          </a:p>
-          <a:p>
-            <a:pPr marL="1257300" lvl="2" indent="-457200"/>
-            <a:r>
-              <a:rPr lang="ru-RU" sz="1200" dirty="0"/>
-              <a:t>Создать</a:t>
-            </a:r>
-            <a:r>
-              <a:rPr lang="en-US" sz="1200" dirty="0"/>
-              <a:t> </a:t>
-            </a:r>
-            <a:r>
-              <a:rPr lang="ru-RU" sz="1200" dirty="0"/>
-              <a:t>и вернуть экземпляр объекта</a:t>
-            </a:r>
-            <a:r>
-              <a:rPr lang="ru-RU" sz="1200" i="1" dirty="0"/>
-              <a:t> </a:t>
-            </a:r>
-            <a:r>
-              <a:rPr lang="en-US" sz="1200" i="1" dirty="0"/>
-              <a:t>User</a:t>
-            </a:r>
-            <a:r>
-              <a:rPr lang="ru-RU" sz="1200" dirty="0"/>
-              <a:t>, задав </a:t>
-            </a:r>
-            <a:r>
-              <a:rPr lang="en-US" sz="1200" i="1" dirty="0"/>
-              <a:t>username (</a:t>
-            </a:r>
-            <a:r>
-              <a:rPr lang="en-US" sz="1200" i="1" dirty="0" err="1"/>
-              <a:t>getSubject</a:t>
-            </a:r>
-            <a:r>
-              <a:rPr lang="en-US" sz="1200" i="1" dirty="0"/>
-              <a:t>()) </a:t>
-            </a:r>
-            <a:r>
-              <a:rPr lang="ru-RU" sz="1200" dirty="0"/>
-              <a:t>и роль </a:t>
-            </a:r>
-            <a:r>
-              <a:rPr lang="ru-RU" sz="1200" i="1" dirty="0"/>
-              <a:t>(</a:t>
-            </a:r>
-            <a:r>
-              <a:rPr lang="en-US" sz="1200" i="1" dirty="0"/>
-              <a:t>get("Authority", </a:t>
-            </a:r>
-            <a:r>
-              <a:rPr lang="en-US" sz="1200" i="1" dirty="0" err="1"/>
-              <a:t>String.class</a:t>
-            </a:r>
-            <a:r>
-              <a:rPr lang="ru-RU" sz="1200" i="1" dirty="0"/>
-              <a:t>)</a:t>
-            </a:r>
           </a:p>
           <a:p>
             <a:pPr marL="0" indent="0">
@@ -4486,7 +4458,7 @@
         </p:nvSpPr>
         <p:spPr>
           <a:xfrm>
-            <a:off x="107504" y="359465"/>
+            <a:off x="208468" y="244415"/>
             <a:ext cx="8856984" cy="1143000"/>
           </a:xfrm>
         </p:spPr>
@@ -4503,26 +4475,6 @@
             <a:r>
               <a:rPr lang="en-US" dirty="0" err="1" smtClean="0"/>
               <a:t>auth</a:t>
-            </a:r>
-            <a:r>
-              <a:rPr lang="ru-RU" dirty="0" smtClean="0"/>
-              <a:t> (на основе </a:t>
-            </a:r>
-            <a:r>
-              <a:rPr lang="en-US" dirty="0" err="1" smtClean="0"/>
-              <a:t>UserDetails</a:t>
-            </a:r>
-            <a:r>
-              <a:rPr lang="en-US" dirty="0" smtClean="0"/>
-              <a:t> </a:t>
-            </a:r>
-            <a:r>
-              <a:rPr lang="en-US" dirty="0" err="1" smtClean="0"/>
-              <a:t>auth</a:t>
-            </a:r>
-            <a:r>
-              <a:rPr lang="ru-RU" dirty="0" smtClean="0"/>
-              <a:t>)</a:t>
             </a:r>
             <a:endParaRPr lang="en-US" dirty="0"/>
           </a:p>
@@ -4538,6 +4490,13 @@
   <p:clrMapOvr>
     <a:masterClrMapping/>
   </p:clrMapOvr>
+  <p:timing>
+    <p:tnLst>
+      <p:par>
+        <p:cTn id="1" dur="indefinite" restart="never" nodeType="tmRoot"/>
+      </p:par>
+    </p:tnLst>
+  </p:timing>
 </p:sld>
 </file>
 
